--- a/EntregaFinal.pptx
+++ b/EntregaFinal.pptx
@@ -11,6 +11,11 @@
     <p:sldId id="272" r:id="rId5"/>
     <p:sldId id="273" r:id="rId6"/>
     <p:sldId id="274" r:id="rId7"/>
+    <p:sldId id="275" r:id="rId8"/>
+    <p:sldId id="276" r:id="rId9"/>
+    <p:sldId id="277" r:id="rId10"/>
+    <p:sldId id="278" r:id="rId11"/>
+    <p:sldId id="279" r:id="rId12"/>
   </p:sldIdLst>
   <p:sldSz cx="12192000" cy="6858000"/>
   <p:notesSz cx="6858000" cy="9144000"/>
@@ -300,7 +305,7 @@
           </a:lstStyle>
           <a:p>
             <a:r>
-              <a:rPr lang="es-ES" smtClean="0"/>
+              <a:rPr lang="es-ES"/>
               <a:t>Haga clic para modificar el estilo de título del patrón</a:t>
             </a:r>
             <a:endParaRPr lang="en-US" dirty="0"/>
@@ -367,7 +372,7 @@
           </a:lstStyle>
           <a:p>
             <a:r>
-              <a:rPr lang="es-ES" smtClean="0"/>
+              <a:rPr lang="es-ES"/>
               <a:t>Haga clic para modificar el estilo de subtítulo del patrón</a:t>
             </a:r>
             <a:endParaRPr lang="en-US" dirty="0"/>
@@ -438,7 +443,7 @@
           <a:p>
             <a:fld id="{6D22F896-40B5-4ADD-8801-0D06FADFA095}" type="slidenum">
               <a:rPr lang="en-US" dirty="0"/>
-              <a:t>‹Nº›</a:t>
+              <a:t>‹#›</a:t>
             </a:fld>
             <a:endParaRPr lang="en-US" dirty="0"/>
           </a:p>
@@ -635,7 +640,7 @@
           </a:lstStyle>
           <a:p>
             <a:r>
-              <a:rPr lang="es-ES" smtClean="0"/>
+              <a:rPr lang="es-ES"/>
               <a:t>Haga clic para modificar el estilo de título del patrón</a:t>
             </a:r>
             <a:endParaRPr lang="en-US" dirty="0"/>
@@ -711,7 +716,7 @@
           </a:lstStyle>
           <a:p>
             <a:r>
-              <a:rPr lang="es-ES" smtClean="0"/>
+              <a:rPr lang="es-ES"/>
               <a:t>Haga clic en el icono para agregar una imagen</a:t>
             </a:r>
             <a:endParaRPr lang="en-US" dirty="0"/>
@@ -777,7 +782,7 @@
           <a:p>
             <a:pPr lvl="0"/>
             <a:r>
-              <a:rPr lang="es-ES" smtClean="0"/>
+              <a:rPr lang="es-ES"/>
               <a:t>Haga clic para modificar el estilo de texto del patrón</a:t>
             </a:r>
           </a:p>
@@ -847,7 +852,7 @@
           <a:p>
             <a:fld id="{6D22F896-40B5-4ADD-8801-0D06FADFA095}" type="slidenum">
               <a:rPr lang="en-US" dirty="0"/>
-              <a:t>‹Nº›</a:t>
+              <a:t>‹#›</a:t>
             </a:fld>
             <a:endParaRPr lang="en-US" dirty="0"/>
           </a:p>
@@ -1042,7 +1047,7 @@
           </a:lstStyle>
           <a:p>
             <a:r>
-              <a:rPr lang="es-ES" smtClean="0"/>
+              <a:rPr lang="es-ES"/>
               <a:t>Haga clic para modificar el estilo de título del patrón</a:t>
             </a:r>
             <a:endParaRPr lang="en-US" dirty="0"/>
@@ -1108,7 +1113,7 @@
           <a:p>
             <a:pPr lvl="0"/>
             <a:r>
-              <a:rPr lang="es-ES" smtClean="0"/>
+              <a:rPr lang="es-ES"/>
               <a:t>Haga clic para modificar el estilo de texto del patrón</a:t>
             </a:r>
           </a:p>
@@ -1178,7 +1183,7 @@
           <a:p>
             <a:fld id="{6D22F896-40B5-4ADD-8801-0D06FADFA095}" type="slidenum">
               <a:rPr lang="en-US" dirty="0"/>
-              <a:t>‹Nº›</a:t>
+              <a:t>‹#›</a:t>
             </a:fld>
             <a:endParaRPr lang="en-US" dirty="0"/>
           </a:p>
@@ -1373,7 +1378,7 @@
           </a:lstStyle>
           <a:p>
             <a:r>
-              <a:rPr lang="es-ES" smtClean="0"/>
+              <a:rPr lang="es-ES"/>
               <a:t>Haga clic para modificar el estilo de título del patrón</a:t>
             </a:r>
             <a:endParaRPr lang="en-US" dirty="0"/>
@@ -1441,7 +1446,7 @@
           <a:p>
             <a:pPr lvl="0"/>
             <a:r>
-              <a:rPr lang="es-ES" smtClean="0"/>
+              <a:rPr lang="es-ES"/>
               <a:t>Haga clic para modificar el estilo de texto del patrón</a:t>
             </a:r>
           </a:p>
@@ -1508,7 +1513,7 @@
           <a:p>
             <a:pPr lvl="0"/>
             <a:r>
-              <a:rPr lang="es-ES" smtClean="0"/>
+              <a:rPr lang="es-ES"/>
               <a:t>Haga clic para modificar el estilo de texto del patrón</a:t>
             </a:r>
           </a:p>
@@ -1578,7 +1583,7 @@
           <a:p>
             <a:fld id="{6D22F896-40B5-4ADD-8801-0D06FADFA095}" type="slidenum">
               <a:rPr lang="en-US" dirty="0"/>
-              <a:t>‹Nº›</a:t>
+              <a:t>‹#›</a:t>
             </a:fld>
             <a:endParaRPr lang="en-US" dirty="0"/>
           </a:p>
@@ -2005,7 +2010,7 @@
           </a:lstStyle>
           <a:p>
             <a:r>
-              <a:rPr lang="es-ES" smtClean="0"/>
+              <a:rPr lang="es-ES"/>
               <a:t>Haga clic para modificar el estilo de título del patrón</a:t>
             </a:r>
             <a:endParaRPr lang="en-US" dirty="0"/>
@@ -2071,7 +2076,7 @@
           <a:p>
             <a:pPr lvl="0"/>
             <a:r>
-              <a:rPr lang="es-ES" smtClean="0"/>
+              <a:rPr lang="es-ES"/>
               <a:t>Haga clic para modificar el estilo de texto del patrón</a:t>
             </a:r>
           </a:p>
@@ -2141,7 +2146,7 @@
           <a:p>
             <a:fld id="{6D22F896-40B5-4ADD-8801-0D06FADFA095}" type="slidenum">
               <a:rPr lang="en-US" dirty="0"/>
-              <a:t>‹Nº›</a:t>
+              <a:t>‹#›</a:t>
             </a:fld>
             <a:endParaRPr lang="en-US" dirty="0"/>
           </a:p>
@@ -2332,7 +2337,7 @@
           <a:lstStyle/>
           <a:p>
             <a:r>
-              <a:rPr lang="es-ES" smtClean="0"/>
+              <a:rPr lang="es-ES"/>
               <a:t>Haga clic para modificar el estilo de título del patrón</a:t>
             </a:r>
             <a:endParaRPr lang="en-US" dirty="0"/>
@@ -2404,7 +2409,7 @@
           <a:p>
             <a:pPr lvl="0"/>
             <a:r>
-              <a:rPr lang="es-ES" smtClean="0"/>
+              <a:rPr lang="es-ES"/>
               <a:t>Haga clic para modificar el estilo de texto del patrón</a:t>
             </a:r>
           </a:p>
@@ -2471,7 +2476,7 @@
           <a:p>
             <a:pPr lvl="0"/>
             <a:r>
-              <a:rPr lang="es-ES" smtClean="0"/>
+              <a:rPr lang="es-ES"/>
               <a:t>Haga clic para modificar el estilo de texto del patrón</a:t>
             </a:r>
           </a:p>
@@ -2542,7 +2547,7 @@
           <a:p>
             <a:pPr lvl="0"/>
             <a:r>
-              <a:rPr lang="es-ES" smtClean="0"/>
+              <a:rPr lang="es-ES"/>
               <a:t>Haga clic para modificar el estilo de texto del patrón</a:t>
             </a:r>
           </a:p>
@@ -2609,7 +2614,7 @@
           <a:p>
             <a:pPr lvl="0"/>
             <a:r>
-              <a:rPr lang="es-ES" smtClean="0"/>
+              <a:rPr lang="es-ES"/>
               <a:t>Haga clic para modificar el estilo de texto del patrón</a:t>
             </a:r>
           </a:p>
@@ -2680,7 +2685,7 @@
           <a:p>
             <a:pPr lvl="0"/>
             <a:r>
-              <a:rPr lang="es-ES" smtClean="0"/>
+              <a:rPr lang="es-ES"/>
               <a:t>Haga clic para modificar el estilo de texto del patrón</a:t>
             </a:r>
           </a:p>
@@ -2747,7 +2752,7 @@
           <a:p>
             <a:pPr lvl="0"/>
             <a:r>
-              <a:rPr lang="es-ES" smtClean="0"/>
+              <a:rPr lang="es-ES"/>
               <a:t>Haga clic para modificar el estilo de texto del patrón</a:t>
             </a:r>
           </a:p>
@@ -2812,7 +2817,7 @@
           <a:p>
             <a:fld id="{6D22F896-40B5-4ADD-8801-0D06FADFA095}" type="slidenum">
               <a:rPr lang="en-US" dirty="0"/>
-              <a:t>‹Nº›</a:t>
+              <a:t>‹#›</a:t>
             </a:fld>
             <a:endParaRPr lang="en-US" dirty="0"/>
           </a:p>
@@ -3003,7 +3008,7 @@
           <a:lstStyle/>
           <a:p>
             <a:r>
-              <a:rPr lang="es-ES" smtClean="0"/>
+              <a:rPr lang="es-ES"/>
               <a:t>Haga clic para modificar el estilo de título del patrón</a:t>
             </a:r>
             <a:endParaRPr lang="en-US" dirty="0"/>
@@ -3075,7 +3080,7 @@
           <a:p>
             <a:pPr lvl="0"/>
             <a:r>
-              <a:rPr lang="es-ES" smtClean="0"/>
+              <a:rPr lang="es-ES"/>
               <a:t>Haga clic para modificar el estilo de texto del patrón</a:t>
             </a:r>
           </a:p>
@@ -3153,7 +3158,7 @@
           </a:lstStyle>
           <a:p>
             <a:r>
-              <a:rPr lang="es-ES" smtClean="0"/>
+              <a:rPr lang="es-ES"/>
               <a:t>Haga clic en el icono para agregar una imagen</a:t>
             </a:r>
             <a:endParaRPr lang="en-US" dirty="0"/>
@@ -3221,7 +3226,7 @@
           <a:p>
             <a:pPr lvl="0"/>
             <a:r>
-              <a:rPr lang="es-ES" smtClean="0"/>
+              <a:rPr lang="es-ES"/>
               <a:t>Haga clic para modificar el estilo de texto del patrón</a:t>
             </a:r>
           </a:p>
@@ -3292,7 +3297,7 @@
           <a:p>
             <a:pPr lvl="0"/>
             <a:r>
-              <a:rPr lang="es-ES" smtClean="0"/>
+              <a:rPr lang="es-ES"/>
               <a:t>Haga clic para modificar el estilo de texto del patrón</a:t>
             </a:r>
           </a:p>
@@ -3370,7 +3375,7 @@
           </a:lstStyle>
           <a:p>
             <a:r>
-              <a:rPr lang="es-ES" smtClean="0"/>
+              <a:rPr lang="es-ES"/>
               <a:t>Haga clic en el icono para agregar una imagen</a:t>
             </a:r>
             <a:endParaRPr lang="en-US" dirty="0"/>
@@ -3438,7 +3443,7 @@
           <a:p>
             <a:pPr lvl="0"/>
             <a:r>
-              <a:rPr lang="es-ES" smtClean="0"/>
+              <a:rPr lang="es-ES"/>
               <a:t>Haga clic para modificar el estilo de texto del patrón</a:t>
             </a:r>
           </a:p>
@@ -3509,7 +3514,7 @@
           <a:p>
             <a:pPr lvl="0"/>
             <a:r>
-              <a:rPr lang="es-ES" smtClean="0"/>
+              <a:rPr lang="es-ES"/>
               <a:t>Haga clic para modificar el estilo de texto del patrón</a:t>
             </a:r>
           </a:p>
@@ -3587,7 +3592,7 @@
           </a:lstStyle>
           <a:p>
             <a:r>
-              <a:rPr lang="es-ES" smtClean="0"/>
+              <a:rPr lang="es-ES"/>
               <a:t>Haga clic en el icono para agregar una imagen</a:t>
             </a:r>
             <a:endParaRPr lang="en-US" dirty="0"/>
@@ -3655,7 +3660,7 @@
           <a:p>
             <a:pPr lvl="0"/>
             <a:r>
-              <a:rPr lang="es-ES" smtClean="0"/>
+              <a:rPr lang="es-ES"/>
               <a:t>Haga clic para modificar el estilo de texto del patrón</a:t>
             </a:r>
           </a:p>
@@ -3720,7 +3725,7 @@
           <a:p>
             <a:fld id="{6D22F896-40B5-4ADD-8801-0D06FADFA095}" type="slidenum">
               <a:rPr lang="en-US" dirty="0"/>
-              <a:t>‹Nº›</a:t>
+              <a:t>‹#›</a:t>
             </a:fld>
             <a:endParaRPr lang="en-US" dirty="0"/>
           </a:p>
@@ -3910,7 +3915,7 @@
           </a:lstStyle>
           <a:p>
             <a:r>
-              <a:rPr lang="es-ES" smtClean="0"/>
+              <a:rPr lang="es-ES"/>
               <a:t>Haga clic para modificar el estilo de título del patrón</a:t>
             </a:r>
             <a:endParaRPr lang="en-US" dirty="0"/>
@@ -3934,35 +3939,35 @@
           <a:p>
             <a:pPr lvl="0"/>
             <a:r>
-              <a:rPr lang="es-ES" smtClean="0"/>
+              <a:rPr lang="es-ES"/>
               <a:t>Haga clic para modificar el estilo de texto del patrón</a:t>
             </a:r>
           </a:p>
           <a:p>
             <a:pPr lvl="1"/>
             <a:r>
-              <a:rPr lang="es-ES" smtClean="0"/>
+              <a:rPr lang="es-ES"/>
               <a:t>Segundo nivel</a:t>
             </a:r>
           </a:p>
           <a:p>
             <a:pPr lvl="2"/>
             <a:r>
-              <a:rPr lang="es-ES" smtClean="0"/>
+              <a:rPr lang="es-ES"/>
               <a:t>Tercer nivel</a:t>
             </a:r>
           </a:p>
           <a:p>
             <a:pPr lvl="3"/>
             <a:r>
-              <a:rPr lang="es-ES" smtClean="0"/>
+              <a:rPr lang="es-ES"/>
               <a:t>Cuarto nivel</a:t>
             </a:r>
           </a:p>
           <a:p>
             <a:pPr lvl="4"/>
             <a:r>
-              <a:rPr lang="es-ES" smtClean="0"/>
+              <a:rPr lang="es-ES"/>
               <a:t>Quinto nivel</a:t>
             </a:r>
             <a:endParaRPr lang="en-US" dirty="0"/>
@@ -4028,7 +4033,7 @@
           <a:p>
             <a:fld id="{6D22F896-40B5-4ADD-8801-0D06FADFA095}" type="slidenum">
               <a:rPr lang="en-US" dirty="0"/>
-              <a:t>‹Nº›</a:t>
+              <a:t>‹#›</a:t>
             </a:fld>
             <a:endParaRPr lang="en-US" dirty="0"/>
           </a:p>
@@ -4159,7 +4164,7 @@
           <a:lstStyle/>
           <a:p>
             <a:r>
-              <a:rPr lang="es-ES" smtClean="0"/>
+              <a:rPr lang="es-ES"/>
               <a:t>Haga clic para modificar el estilo de título del patrón</a:t>
             </a:r>
             <a:endParaRPr lang="en-US" dirty="0"/>
@@ -4188,35 +4193,35 @@
           <a:p>
             <a:pPr lvl="0"/>
             <a:r>
-              <a:rPr lang="es-ES" smtClean="0"/>
+              <a:rPr lang="es-ES"/>
               <a:t>Haga clic para modificar el estilo de texto del patrón</a:t>
             </a:r>
           </a:p>
           <a:p>
             <a:pPr lvl="1"/>
             <a:r>
-              <a:rPr lang="es-ES" smtClean="0"/>
+              <a:rPr lang="es-ES"/>
               <a:t>Segundo nivel</a:t>
             </a:r>
           </a:p>
           <a:p>
             <a:pPr lvl="2"/>
             <a:r>
-              <a:rPr lang="es-ES" smtClean="0"/>
+              <a:rPr lang="es-ES"/>
               <a:t>Tercer nivel</a:t>
             </a:r>
           </a:p>
           <a:p>
             <a:pPr lvl="3"/>
             <a:r>
-              <a:rPr lang="es-ES" smtClean="0"/>
+              <a:rPr lang="es-ES"/>
               <a:t>Cuarto nivel</a:t>
             </a:r>
           </a:p>
           <a:p>
             <a:pPr lvl="4"/>
             <a:r>
-              <a:rPr lang="es-ES" smtClean="0"/>
+              <a:rPr lang="es-ES"/>
               <a:t>Quinto nivel</a:t>
             </a:r>
             <a:endParaRPr lang="en-US" dirty="0"/>
@@ -4302,7 +4307,7 @@
             <a:fld id="{6D22F896-40B5-4ADD-8801-0D06FADFA095}" type="slidenum">
               <a:rPr lang="en-US" dirty="0"/>
               <a:pPr/>
-              <a:t>‹Nº›</a:t>
+              <a:t>‹#›</a:t>
             </a:fld>
             <a:endParaRPr lang="en-US" dirty="0"/>
           </a:p>
@@ -4488,7 +4493,7 @@
           <a:lstStyle/>
           <a:p>
             <a:r>
-              <a:rPr lang="es-ES" smtClean="0"/>
+              <a:rPr lang="es-ES"/>
               <a:t>Haga clic para modificar el estilo de título del patrón</a:t>
             </a:r>
             <a:endParaRPr lang="en-US" dirty="0"/>
@@ -4530,35 +4535,35 @@
           <a:p>
             <a:pPr lvl="0"/>
             <a:r>
-              <a:rPr lang="es-ES" smtClean="0"/>
+              <a:rPr lang="es-ES"/>
               <a:t>Haga clic para modificar el estilo de texto del patrón</a:t>
             </a:r>
           </a:p>
           <a:p>
             <a:pPr lvl="1"/>
             <a:r>
-              <a:rPr lang="es-ES" smtClean="0"/>
+              <a:rPr lang="es-ES"/>
               <a:t>Segundo nivel</a:t>
             </a:r>
           </a:p>
           <a:p>
             <a:pPr lvl="2"/>
             <a:r>
-              <a:rPr lang="es-ES" smtClean="0"/>
+              <a:rPr lang="es-ES"/>
               <a:t>Tercer nivel</a:t>
             </a:r>
           </a:p>
           <a:p>
             <a:pPr lvl="3"/>
             <a:r>
-              <a:rPr lang="es-ES" smtClean="0"/>
+              <a:rPr lang="es-ES"/>
               <a:t>Cuarto nivel</a:t>
             </a:r>
           </a:p>
           <a:p>
             <a:pPr lvl="4"/>
             <a:r>
-              <a:rPr lang="es-ES" smtClean="0"/>
+              <a:rPr lang="es-ES"/>
               <a:t>Quinto nivel</a:t>
             </a:r>
             <a:endParaRPr lang="en-US" dirty="0"/>
@@ -4624,7 +4629,7 @@
           <a:p>
             <a:fld id="{6D22F896-40B5-4ADD-8801-0D06FADFA095}" type="slidenum">
               <a:rPr lang="en-US" dirty="0"/>
-              <a:t>‹Nº›</a:t>
+              <a:t>‹#›</a:t>
             </a:fld>
             <a:endParaRPr lang="en-US" dirty="0"/>
           </a:p>
@@ -4821,7 +4826,7 @@
           </a:lstStyle>
           <a:p>
             <a:r>
-              <a:rPr lang="es-ES" smtClean="0"/>
+              <a:rPr lang="es-ES"/>
               <a:t>Haga clic para modificar el estilo de título del patrón</a:t>
             </a:r>
             <a:endParaRPr lang="en-US" dirty="0"/>
@@ -4943,7 +4948,7 @@
           <a:p>
             <a:pPr lvl="0"/>
             <a:r>
-              <a:rPr lang="es-ES" smtClean="0"/>
+              <a:rPr lang="es-ES"/>
               <a:t>Haga clic para modificar el estilo de texto del patrón</a:t>
             </a:r>
           </a:p>
@@ -5013,7 +5018,7 @@
           <a:p>
             <a:fld id="{6D22F896-40B5-4ADD-8801-0D06FADFA095}" type="slidenum">
               <a:rPr lang="en-US" dirty="0"/>
-              <a:t>‹Nº›</a:t>
+              <a:t>‹#›</a:t>
             </a:fld>
             <a:endParaRPr lang="en-US" dirty="0"/>
           </a:p>
@@ -5199,7 +5204,7 @@
           <a:lstStyle/>
           <a:p>
             <a:r>
-              <a:rPr lang="es-ES" smtClean="0"/>
+              <a:rPr lang="es-ES"/>
               <a:t>Haga clic para modificar el estilo de título del patrón</a:t>
             </a:r>
             <a:endParaRPr lang="en-US" dirty="0"/>
@@ -5228,35 +5233,35 @@
           <a:p>
             <a:pPr lvl="0"/>
             <a:r>
-              <a:rPr lang="es-ES" smtClean="0"/>
+              <a:rPr lang="es-ES"/>
               <a:t>Haga clic para modificar el estilo de texto del patrón</a:t>
             </a:r>
           </a:p>
           <a:p>
             <a:pPr lvl="1"/>
             <a:r>
-              <a:rPr lang="es-ES" smtClean="0"/>
+              <a:rPr lang="es-ES"/>
               <a:t>Segundo nivel</a:t>
             </a:r>
           </a:p>
           <a:p>
             <a:pPr lvl="2"/>
             <a:r>
-              <a:rPr lang="es-ES" smtClean="0"/>
+              <a:rPr lang="es-ES"/>
               <a:t>Tercer nivel</a:t>
             </a:r>
           </a:p>
           <a:p>
             <a:pPr lvl="3"/>
             <a:r>
-              <a:rPr lang="es-ES" smtClean="0"/>
+              <a:rPr lang="es-ES"/>
               <a:t>Cuarto nivel</a:t>
             </a:r>
           </a:p>
           <a:p>
             <a:pPr lvl="4"/>
             <a:r>
-              <a:rPr lang="es-ES" smtClean="0"/>
+              <a:rPr lang="es-ES"/>
               <a:t>Quinto nivel</a:t>
             </a:r>
             <a:endParaRPr lang="en-US" dirty="0"/>
@@ -5285,35 +5290,35 @@
           <a:p>
             <a:pPr lvl="0"/>
             <a:r>
-              <a:rPr lang="es-ES" smtClean="0"/>
+              <a:rPr lang="es-ES"/>
               <a:t>Haga clic para modificar el estilo de texto del patrón</a:t>
             </a:r>
           </a:p>
           <a:p>
             <a:pPr lvl="1"/>
             <a:r>
-              <a:rPr lang="es-ES" smtClean="0"/>
+              <a:rPr lang="es-ES"/>
               <a:t>Segundo nivel</a:t>
             </a:r>
           </a:p>
           <a:p>
             <a:pPr lvl="2"/>
             <a:r>
-              <a:rPr lang="es-ES" smtClean="0"/>
+              <a:rPr lang="es-ES"/>
               <a:t>Tercer nivel</a:t>
             </a:r>
           </a:p>
           <a:p>
             <a:pPr lvl="3"/>
             <a:r>
-              <a:rPr lang="es-ES" smtClean="0"/>
+              <a:rPr lang="es-ES"/>
               <a:t>Cuarto nivel</a:t>
             </a:r>
           </a:p>
           <a:p>
             <a:pPr lvl="4"/>
             <a:r>
-              <a:rPr lang="es-ES" smtClean="0"/>
+              <a:rPr lang="es-ES"/>
               <a:t>Quinto nivel</a:t>
             </a:r>
             <a:endParaRPr lang="en-US" dirty="0"/>
@@ -5379,7 +5384,7 @@
           <a:p>
             <a:fld id="{6D22F896-40B5-4ADD-8801-0D06FADFA095}" type="slidenum">
               <a:rPr lang="en-US" dirty="0"/>
-              <a:t>‹Nº›</a:t>
+              <a:t>‹#›</a:t>
             </a:fld>
             <a:endParaRPr lang="en-US" dirty="0"/>
           </a:p>
@@ -5570,7 +5575,7 @@
           <a:lstStyle/>
           <a:p>
             <a:r>
-              <a:rPr lang="es-ES" smtClean="0"/>
+              <a:rPr lang="es-ES"/>
               <a:t>Haga clic para modificar el estilo de título del patrón</a:t>
             </a:r>
             <a:endParaRPr lang="en-US" dirty="0"/>
@@ -5636,7 +5641,7 @@
           <a:p>
             <a:pPr lvl="0"/>
             <a:r>
-              <a:rPr lang="es-ES" smtClean="0"/>
+              <a:rPr lang="es-ES"/>
               <a:t>Haga clic para modificar el estilo de texto del patrón</a:t>
             </a:r>
           </a:p>
@@ -5664,35 +5669,35 @@
           <a:p>
             <a:pPr lvl="0"/>
             <a:r>
-              <a:rPr lang="es-ES" smtClean="0"/>
+              <a:rPr lang="es-ES"/>
               <a:t>Haga clic para modificar el estilo de texto del patrón</a:t>
             </a:r>
           </a:p>
           <a:p>
             <a:pPr lvl="1"/>
             <a:r>
-              <a:rPr lang="es-ES" smtClean="0"/>
+              <a:rPr lang="es-ES"/>
               <a:t>Segundo nivel</a:t>
             </a:r>
           </a:p>
           <a:p>
             <a:pPr lvl="2"/>
             <a:r>
-              <a:rPr lang="es-ES" smtClean="0"/>
+              <a:rPr lang="es-ES"/>
               <a:t>Tercer nivel</a:t>
             </a:r>
           </a:p>
           <a:p>
             <a:pPr lvl="3"/>
             <a:r>
-              <a:rPr lang="es-ES" smtClean="0"/>
+              <a:rPr lang="es-ES"/>
               <a:t>Cuarto nivel</a:t>
             </a:r>
           </a:p>
           <a:p>
             <a:pPr lvl="4"/>
             <a:r>
-              <a:rPr lang="es-ES" smtClean="0"/>
+              <a:rPr lang="es-ES"/>
               <a:t>Quinto nivel</a:t>
             </a:r>
             <a:endParaRPr lang="en-US" dirty="0"/>
@@ -5758,7 +5763,7 @@
           <a:p>
             <a:pPr lvl="0"/>
             <a:r>
-              <a:rPr lang="es-ES" smtClean="0"/>
+              <a:rPr lang="es-ES"/>
               <a:t>Haga clic para modificar el estilo de texto del patrón</a:t>
             </a:r>
           </a:p>
@@ -5786,35 +5791,35 @@
           <a:p>
             <a:pPr lvl="0"/>
             <a:r>
-              <a:rPr lang="es-ES" smtClean="0"/>
+              <a:rPr lang="es-ES"/>
               <a:t>Haga clic para modificar el estilo de texto del patrón</a:t>
             </a:r>
           </a:p>
           <a:p>
             <a:pPr lvl="1"/>
             <a:r>
-              <a:rPr lang="es-ES" smtClean="0"/>
+              <a:rPr lang="es-ES"/>
               <a:t>Segundo nivel</a:t>
             </a:r>
           </a:p>
           <a:p>
             <a:pPr lvl="2"/>
             <a:r>
-              <a:rPr lang="es-ES" smtClean="0"/>
+              <a:rPr lang="es-ES"/>
               <a:t>Tercer nivel</a:t>
             </a:r>
           </a:p>
           <a:p>
             <a:pPr lvl="3"/>
             <a:r>
-              <a:rPr lang="es-ES" smtClean="0"/>
+              <a:rPr lang="es-ES"/>
               <a:t>Cuarto nivel</a:t>
             </a:r>
           </a:p>
           <a:p>
             <a:pPr lvl="4"/>
             <a:r>
-              <a:rPr lang="es-ES" smtClean="0"/>
+              <a:rPr lang="es-ES"/>
               <a:t>Quinto nivel</a:t>
             </a:r>
             <a:endParaRPr lang="en-US" dirty="0"/>
@@ -5880,7 +5885,7 @@
           <a:p>
             <a:fld id="{6D22F896-40B5-4ADD-8801-0D06FADFA095}" type="slidenum">
               <a:rPr lang="en-US" dirty="0"/>
-              <a:t>‹Nº›</a:t>
+              <a:t>‹#›</a:t>
             </a:fld>
             <a:endParaRPr lang="en-US" dirty="0"/>
           </a:p>
@@ -6066,7 +6071,7 @@
           <a:lstStyle/>
           <a:p>
             <a:r>
-              <a:rPr lang="es-ES" smtClean="0"/>
+              <a:rPr lang="es-ES"/>
               <a:t>Haga clic para modificar el estilo de título del patrón</a:t>
             </a:r>
             <a:endParaRPr lang="en-US" dirty="0"/>
@@ -6132,7 +6137,7 @@
           <a:p>
             <a:fld id="{6D22F896-40B5-4ADD-8801-0D06FADFA095}" type="slidenum">
               <a:rPr lang="en-US" dirty="0"/>
-              <a:t>‹Nº›</a:t>
+              <a:t>‹#›</a:t>
             </a:fld>
             <a:endParaRPr lang="en-US" dirty="0"/>
           </a:p>
@@ -6290,7 +6295,7 @@
           <a:p>
             <a:fld id="{6D22F896-40B5-4ADD-8801-0D06FADFA095}" type="slidenum">
               <a:rPr lang="en-US" dirty="0"/>
-              <a:t>‹Nº›</a:t>
+              <a:t>‹#›</a:t>
             </a:fld>
             <a:endParaRPr lang="en-US" dirty="0"/>
           </a:p>
@@ -6487,7 +6492,7 @@
           </a:lstStyle>
           <a:p>
             <a:r>
-              <a:rPr lang="es-ES" smtClean="0"/>
+              <a:rPr lang="es-ES"/>
               <a:t>Haga clic para modificar el estilo de título del patrón</a:t>
             </a:r>
             <a:endParaRPr lang="en-US" dirty="0"/>
@@ -6516,35 +6521,35 @@
           <a:p>
             <a:pPr lvl="0"/>
             <a:r>
-              <a:rPr lang="es-ES" smtClean="0"/>
+              <a:rPr lang="es-ES"/>
               <a:t>Haga clic para modificar el estilo de texto del patrón</a:t>
             </a:r>
           </a:p>
           <a:p>
             <a:pPr lvl="1"/>
             <a:r>
-              <a:rPr lang="es-ES" smtClean="0"/>
+              <a:rPr lang="es-ES"/>
               <a:t>Segundo nivel</a:t>
             </a:r>
           </a:p>
           <a:p>
             <a:pPr lvl="2"/>
             <a:r>
-              <a:rPr lang="es-ES" smtClean="0"/>
+              <a:rPr lang="es-ES"/>
               <a:t>Tercer nivel</a:t>
             </a:r>
           </a:p>
           <a:p>
             <a:pPr lvl="3"/>
             <a:r>
-              <a:rPr lang="es-ES" smtClean="0"/>
+              <a:rPr lang="es-ES"/>
               <a:t>Cuarto nivel</a:t>
             </a:r>
           </a:p>
           <a:p>
             <a:pPr lvl="4"/>
             <a:r>
-              <a:rPr lang="es-ES" smtClean="0"/>
+              <a:rPr lang="es-ES"/>
               <a:t>Quinto nivel</a:t>
             </a:r>
             <a:endParaRPr lang="en-US" dirty="0"/>
@@ -6610,7 +6615,7 @@
           <a:p>
             <a:pPr lvl="0"/>
             <a:r>
-              <a:rPr lang="es-ES" smtClean="0"/>
+              <a:rPr lang="es-ES"/>
               <a:t>Haga clic para modificar el estilo de texto del patrón</a:t>
             </a:r>
           </a:p>
@@ -6675,7 +6680,7 @@
           <a:p>
             <a:fld id="{6D22F896-40B5-4ADD-8801-0D06FADFA095}" type="slidenum">
               <a:rPr lang="en-US" dirty="0"/>
-              <a:t>‹Nº›</a:t>
+              <a:t>‹#›</a:t>
             </a:fld>
             <a:endParaRPr lang="en-US" dirty="0"/>
           </a:p>
@@ -6872,7 +6877,7 @@
           </a:lstStyle>
           <a:p>
             <a:r>
-              <a:rPr lang="es-ES" smtClean="0"/>
+              <a:rPr lang="es-ES"/>
               <a:t>Haga clic para modificar el estilo de título del patrón</a:t>
             </a:r>
             <a:endParaRPr lang="en-US" dirty="0"/>
@@ -6948,7 +6953,7 @@
           </a:lstStyle>
           <a:p>
             <a:r>
-              <a:rPr lang="es-ES" smtClean="0"/>
+              <a:rPr lang="es-ES"/>
               <a:t>Haga clic en el icono para agregar una imagen</a:t>
             </a:r>
             <a:endParaRPr lang="en-US" dirty="0"/>
@@ -7014,7 +7019,7 @@
           <a:p>
             <a:pPr lvl="0"/>
             <a:r>
-              <a:rPr lang="es-ES" smtClean="0"/>
+              <a:rPr lang="es-ES"/>
               <a:t>Haga clic para modificar el estilo de texto del patrón</a:t>
             </a:r>
           </a:p>
@@ -7079,7 +7084,7 @@
           <a:p>
             <a:fld id="{6D22F896-40B5-4ADD-8801-0D06FADFA095}" type="slidenum">
               <a:rPr lang="en-US" dirty="0"/>
-              <a:t>‹Nº›</a:t>
+              <a:t>‹#›</a:t>
             </a:fld>
             <a:endParaRPr lang="en-US" dirty="0"/>
           </a:p>
@@ -7172,7 +7177,7 @@
           <a:lstStyle/>
           <a:p>
             <a:r>
-              <a:rPr lang="es-ES" smtClean="0"/>
+              <a:rPr lang="es-ES"/>
               <a:t>Haga clic para modificar el estilo de título del patrón</a:t>
             </a:r>
             <a:endParaRPr lang="en-US" dirty="0"/>
@@ -7206,35 +7211,35 @@
           <a:p>
             <a:pPr lvl="0"/>
             <a:r>
-              <a:rPr lang="es-ES" smtClean="0"/>
+              <a:rPr lang="es-ES"/>
               <a:t>Haga clic para modificar el estilo de texto del patrón</a:t>
             </a:r>
           </a:p>
           <a:p>
             <a:pPr lvl="1"/>
             <a:r>
-              <a:rPr lang="es-ES" smtClean="0"/>
+              <a:rPr lang="es-ES"/>
               <a:t>Segundo nivel</a:t>
             </a:r>
           </a:p>
           <a:p>
             <a:pPr lvl="2"/>
             <a:r>
-              <a:rPr lang="es-ES" smtClean="0"/>
+              <a:rPr lang="es-ES"/>
               <a:t>Tercer nivel</a:t>
             </a:r>
           </a:p>
           <a:p>
             <a:pPr lvl="3"/>
             <a:r>
-              <a:rPr lang="es-ES" smtClean="0"/>
+              <a:rPr lang="es-ES"/>
               <a:t>Cuarto nivel</a:t>
             </a:r>
           </a:p>
           <a:p>
             <a:pPr lvl="4"/>
             <a:r>
-              <a:rPr lang="es-ES" smtClean="0"/>
+              <a:rPr lang="es-ES"/>
               <a:t>Quinto nivel</a:t>
             </a:r>
             <a:endParaRPr lang="en-US" dirty="0"/>
@@ -7355,7 +7360,7 @@
             <a:fld id="{6D22F896-40B5-4ADD-8801-0D06FADFA095}" type="slidenum">
               <a:rPr lang="en-US" dirty="0"/>
               <a:pPr/>
-              <a:t>‹Nº›</a:t>
+              <a:t>‹#›</a:t>
             </a:fld>
             <a:endParaRPr lang="en-US" dirty="0"/>
           </a:p>
@@ -7765,7 +7770,7 @@
           <a:lstStyle/>
           <a:p>
             <a:r>
-              <a:rPr lang="es-ES" b="1" dirty="0" smtClean="0">
+              <a:rPr lang="es-ES" b="1" dirty="0">
                 <a:solidFill>
                   <a:schemeClr val="bg1"/>
                 </a:solidFill>
@@ -7804,7 +7809,7 @@
           <a:p>
             <a:pPr algn="l"/>
             <a:r>
-              <a:rPr lang="es-ES" sz="1800" b="1" dirty="0" smtClean="0">
+              <a:rPr lang="es-ES" sz="1800" b="1" dirty="0">
                 <a:solidFill>
                   <a:schemeClr val="bg1"/>
                 </a:solidFill>
@@ -7892,13 +7897,380 @@
       </p:transition>
     </mc:Fallback>
   </mc:AlternateContent>
-  <p:timing>
-    <p:tnLst>
-      <p:par>
-        <p:cTn id="1" dur="indefinite" restart="never" nodeType="tmRoot"/>
-      </p:par>
-    </p:tnLst>
-  </p:timing>
+</p:sld>
+</file>
+
+<file path=ppt/slides/slide10.xml><?xml version="1.0" encoding="utf-8"?>
+<p:sld xmlns:a="http://schemas.openxmlformats.org/drawingml/2006/main" xmlns:r="http://schemas.openxmlformats.org/officeDocument/2006/relationships" xmlns:p="http://schemas.openxmlformats.org/presentationml/2006/main">
+  <p:cSld>
+    <p:spTree>
+      <p:nvGrpSpPr>
+        <p:cNvPr id="1" name=""/>
+        <p:cNvGrpSpPr/>
+        <p:nvPr/>
+      </p:nvGrpSpPr>
+      <p:grpSpPr>
+        <a:xfrm>
+          <a:off x="0" y="0"/>
+          <a:ext cx="0" cy="0"/>
+          <a:chOff x="0" y="0"/>
+          <a:chExt cx="0" cy="0"/>
+        </a:xfrm>
+      </p:grpSpPr>
+      <p:pic>
+        <p:nvPicPr>
+          <p:cNvPr id="4" name="Imagen 3"/>
+          <p:cNvPicPr>
+            <a:picLocks noChangeAspect="1"/>
+          </p:cNvPicPr>
+          <p:nvPr/>
+        </p:nvPicPr>
+        <p:blipFill>
+          <a:blip r:embed="rId2">
+            <a:extLst>
+              <a:ext uri="{28A0092B-C50C-407E-A947-70E740481C1C}">
+                <a14:useLocalDpi xmlns:a14="http://schemas.microsoft.com/office/drawing/2010/main" val="0"/>
+              </a:ext>
+            </a:extLst>
+          </a:blip>
+          <a:stretch>
+            <a:fillRect/>
+          </a:stretch>
+        </p:blipFill>
+        <p:spPr>
+          <a:xfrm>
+            <a:off x="0" y="-3518"/>
+            <a:ext cx="12185754" cy="6861517"/>
+          </a:xfrm>
+          <a:prstGeom prst="rect">
+            <a:avLst/>
+          </a:prstGeom>
+        </p:spPr>
+      </p:pic>
+      <p:sp>
+        <p:nvSpPr>
+          <p:cNvPr id="2" name="Título 1"/>
+          <p:cNvSpPr>
+            <a:spLocks noGrp="1"/>
+          </p:cNvSpPr>
+          <p:nvPr>
+            <p:ph type="title"/>
+          </p:nvPr>
+        </p:nvSpPr>
+        <p:spPr/>
+        <p:txBody>
+          <a:bodyPr/>
+          <a:lstStyle/>
+          <a:p>
+            <a:r>
+              <a:rPr lang="es-ES" b="1" dirty="0">
+                <a:solidFill>
+                  <a:schemeClr val="bg1"/>
+                </a:solidFill>
+              </a:rPr>
+              <a:t>9) Versiones de la aplicación</a:t>
+            </a:r>
+            <a:endParaRPr lang="es-US" b="1" dirty="0">
+              <a:solidFill>
+                <a:schemeClr val="bg1"/>
+              </a:solidFill>
+            </a:endParaRPr>
+          </a:p>
+        </p:txBody>
+      </p:sp>
+      <p:sp>
+        <p:nvSpPr>
+          <p:cNvPr id="3" name="Marcador de contenido 2"/>
+          <p:cNvSpPr>
+            <a:spLocks noGrp="1"/>
+          </p:cNvSpPr>
+          <p:nvPr>
+            <p:ph idx="1"/>
+          </p:nvPr>
+        </p:nvSpPr>
+        <p:spPr/>
+        <p:txBody>
+          <a:bodyPr>
+            <a:normAutofit lnSpcReduction="10000"/>
+          </a:bodyPr>
+          <a:lstStyle/>
+          <a:p>
+            <a:pPr algn="just"/>
+            <a:r>
+              <a:rPr lang="es-DO" dirty="0">
+                <a:solidFill>
+                  <a:schemeClr val="bg1"/>
+                </a:solidFill>
+                <a:effectLst/>
+              </a:rPr>
+              <a:t>Como grupo, tenemos pensado lanzar 3 versiones: uno alfa, otro beta para ir depurando el juego y ver las opiniones de los demás acerca de una parte del juego y el juego final. </a:t>
+            </a:r>
+          </a:p>
+          <a:p>
+            <a:pPr algn="just"/>
+            <a:r>
+              <a:rPr lang="es-DO" dirty="0">
+                <a:solidFill>
+                  <a:schemeClr val="bg1"/>
+                </a:solidFill>
+                <a:effectLst/>
+              </a:rPr>
+              <a:t>La versión alfa se piensa lanzar una vez tengamos muchos de los bugs arreglados y una buena parte del juego, vendríamos hablando por lo menos de un 50%.</a:t>
+            </a:r>
+            <a:endParaRPr lang="es-US" dirty="0">
+              <a:solidFill>
+                <a:schemeClr val="bg1"/>
+              </a:solidFill>
+              <a:effectLst/>
+            </a:endParaRPr>
+          </a:p>
+          <a:p>
+            <a:pPr algn="just"/>
+            <a:r>
+              <a:rPr lang="es-DO" dirty="0">
+                <a:solidFill>
+                  <a:schemeClr val="bg1"/>
+                </a:solidFill>
+                <a:effectLst/>
+              </a:rPr>
+              <a:t>Ya la versión beta, se piensa lanzar una vez el juego vaya por un     85% terminado.</a:t>
+            </a:r>
+            <a:endParaRPr lang="es-US" dirty="0">
+              <a:solidFill>
+                <a:schemeClr val="bg1"/>
+              </a:solidFill>
+              <a:effectLst/>
+            </a:endParaRPr>
+          </a:p>
+          <a:p>
+            <a:pPr algn="just"/>
+            <a:r>
+              <a:rPr lang="es-DO" dirty="0">
+                <a:solidFill>
+                  <a:schemeClr val="bg1"/>
+                </a:solidFill>
+                <a:effectLst/>
+              </a:rPr>
+              <a:t> Y por último, el juego final, que se piensa lanzar una vez terminado.</a:t>
+            </a:r>
+            <a:endParaRPr lang="es-US" dirty="0">
+              <a:solidFill>
+                <a:schemeClr val="bg1"/>
+              </a:solidFill>
+              <a:effectLst/>
+            </a:endParaRPr>
+          </a:p>
+          <a:p>
+            <a:endParaRPr lang="es-US" dirty="0"/>
+          </a:p>
+        </p:txBody>
+      </p:sp>
+    </p:spTree>
+    <p:extLst>
+      <p:ext uri="{BB962C8B-B14F-4D97-AF65-F5344CB8AC3E}">
+        <p14:creationId xmlns:p14="http://schemas.microsoft.com/office/powerpoint/2010/main" val="1293049612"/>
+      </p:ext>
+    </p:extLst>
+  </p:cSld>
+  <p:clrMapOvr>
+    <a:masterClrMapping/>
+  </p:clrMapOvr>
+</p:sld>
+</file>
+
+<file path=ppt/slides/slide11.xml><?xml version="1.0" encoding="utf-8"?>
+<p:sld xmlns:a="http://schemas.openxmlformats.org/drawingml/2006/main" xmlns:r="http://schemas.openxmlformats.org/officeDocument/2006/relationships" xmlns:p="http://schemas.openxmlformats.org/presentationml/2006/main">
+  <p:cSld>
+    <p:spTree>
+      <p:nvGrpSpPr>
+        <p:cNvPr id="1" name=""/>
+        <p:cNvGrpSpPr/>
+        <p:nvPr/>
+      </p:nvGrpSpPr>
+      <p:grpSpPr>
+        <a:xfrm>
+          <a:off x="0" y="0"/>
+          <a:ext cx="0" cy="0"/>
+          <a:chOff x="0" y="0"/>
+          <a:chExt cx="0" cy="0"/>
+        </a:xfrm>
+      </p:grpSpPr>
+      <p:pic>
+        <p:nvPicPr>
+          <p:cNvPr id="4" name="Imagen 3"/>
+          <p:cNvPicPr>
+            <a:picLocks noChangeAspect="1"/>
+          </p:cNvPicPr>
+          <p:nvPr/>
+        </p:nvPicPr>
+        <p:blipFill>
+          <a:blip r:embed="rId2">
+            <a:extLst>
+              <a:ext uri="{28A0092B-C50C-407E-A947-70E740481C1C}">
+                <a14:useLocalDpi xmlns:a14="http://schemas.microsoft.com/office/drawing/2010/main" val="0"/>
+              </a:ext>
+            </a:extLst>
+          </a:blip>
+          <a:stretch>
+            <a:fillRect/>
+          </a:stretch>
+        </p:blipFill>
+        <p:spPr>
+          <a:xfrm>
+            <a:off x="0" y="-3518"/>
+            <a:ext cx="12185754" cy="6861517"/>
+          </a:xfrm>
+          <a:prstGeom prst="rect">
+            <a:avLst/>
+          </a:prstGeom>
+        </p:spPr>
+      </p:pic>
+      <p:sp>
+        <p:nvSpPr>
+          <p:cNvPr id="2" name="Título 1"/>
+          <p:cNvSpPr>
+            <a:spLocks noGrp="1"/>
+          </p:cNvSpPr>
+          <p:nvPr>
+            <p:ph type="title"/>
+          </p:nvPr>
+        </p:nvSpPr>
+        <p:spPr/>
+        <p:txBody>
+          <a:bodyPr/>
+          <a:lstStyle/>
+          <a:p>
+            <a:r>
+              <a:rPr lang="es-ES" b="1" dirty="0">
+                <a:solidFill>
+                  <a:schemeClr val="bg1"/>
+                </a:solidFill>
+              </a:rPr>
+              <a:t>10) Requisitos de instalación</a:t>
+            </a:r>
+            <a:endParaRPr lang="es-US" b="1" dirty="0">
+              <a:solidFill>
+                <a:schemeClr val="bg1"/>
+              </a:solidFill>
+            </a:endParaRPr>
+          </a:p>
+        </p:txBody>
+      </p:sp>
+      <p:sp>
+        <p:nvSpPr>
+          <p:cNvPr id="3" name="Marcador de contenido 2"/>
+          <p:cNvSpPr>
+            <a:spLocks noGrp="1"/>
+          </p:cNvSpPr>
+          <p:nvPr>
+            <p:ph idx="1"/>
+          </p:nvPr>
+        </p:nvSpPr>
+        <p:spPr/>
+        <p:txBody>
+          <a:bodyPr/>
+          <a:lstStyle/>
+          <a:p>
+            <a:pPr marL="0" lvl="0" indent="0">
+              <a:buNone/>
+            </a:pPr>
+            <a:r>
+              <a:rPr lang="es-ES" dirty="0">
+                <a:solidFill>
+                  <a:schemeClr val="bg1"/>
+                </a:solidFill>
+                <a:effectLst/>
+              </a:rPr>
+              <a:t>Dichos requisitos son los siguientes:</a:t>
+            </a:r>
+          </a:p>
+          <a:p>
+            <a:pPr lvl="0"/>
+            <a:r>
+              <a:rPr lang="es-ES" dirty="0">
+                <a:solidFill>
+                  <a:schemeClr val="bg1"/>
+                </a:solidFill>
+                <a:effectLst/>
+              </a:rPr>
+              <a:t>RAM: 2GB (mínimo).</a:t>
+            </a:r>
+            <a:endParaRPr lang="es-US" dirty="0">
+              <a:solidFill>
+                <a:schemeClr val="bg1"/>
+              </a:solidFill>
+              <a:effectLst/>
+            </a:endParaRPr>
+          </a:p>
+          <a:p>
+            <a:pPr lvl="0"/>
+            <a:r>
+              <a:rPr lang="es-ES" dirty="0">
+                <a:solidFill>
+                  <a:schemeClr val="bg1"/>
+                </a:solidFill>
+                <a:effectLst/>
+              </a:rPr>
+              <a:t>Espacio en disco duro: 1GB (como mínimo, es lo recomendable).</a:t>
+            </a:r>
+            <a:endParaRPr lang="es-US" dirty="0">
+              <a:solidFill>
+                <a:schemeClr val="bg1"/>
+              </a:solidFill>
+              <a:effectLst/>
+            </a:endParaRPr>
+          </a:p>
+          <a:p>
+            <a:pPr lvl="0"/>
+            <a:r>
+              <a:rPr lang="es-ES" dirty="0">
+                <a:solidFill>
+                  <a:schemeClr val="bg1"/>
+                </a:solidFill>
+                <a:effectLst/>
+              </a:rPr>
+              <a:t>Tarjeta gráfica: no es necesaria, tratamos de economizar todo lo posible.</a:t>
+            </a:r>
+            <a:endParaRPr lang="es-US" dirty="0">
+              <a:solidFill>
+                <a:schemeClr val="bg1"/>
+              </a:solidFill>
+              <a:effectLst/>
+            </a:endParaRPr>
+          </a:p>
+          <a:p>
+            <a:pPr lvl="0"/>
+            <a:r>
+              <a:rPr lang="es-ES" dirty="0">
+                <a:solidFill>
+                  <a:schemeClr val="bg1"/>
+                </a:solidFill>
+                <a:effectLst/>
+              </a:rPr>
+              <a:t>CPU: Intel i3 (mínimo).</a:t>
+            </a:r>
+            <a:endParaRPr lang="es-US" dirty="0">
+              <a:solidFill>
+                <a:schemeClr val="bg1"/>
+              </a:solidFill>
+              <a:effectLst/>
+            </a:endParaRPr>
+          </a:p>
+          <a:p>
+            <a:endParaRPr lang="es-US" dirty="0"/>
+          </a:p>
+        </p:txBody>
+      </p:sp>
+    </p:spTree>
+    <p:extLst>
+      <p:ext uri="{BB962C8B-B14F-4D97-AF65-F5344CB8AC3E}">
+        <p14:creationId xmlns:p14="http://schemas.microsoft.com/office/powerpoint/2010/main" val="3939638979"/>
+      </p:ext>
+    </p:extLst>
+  </p:cSld>
+  <p:clrMapOvr>
+    <a:masterClrMapping/>
+  </p:clrMapOvr>
 </p:sld>
 </file>
 
@@ -7965,7 +8337,7 @@
           <a:lstStyle/>
           <a:p>
             <a:r>
-              <a:rPr lang="es-ES" b="1" dirty="0" smtClean="0">
+              <a:rPr lang="es-ES" b="1" dirty="0">
                 <a:solidFill>
                   <a:schemeClr val="bg1"/>
                 </a:solidFill>
@@ -7996,7 +8368,7 @@
           <a:lstStyle/>
           <a:p>
             <a:r>
-              <a:rPr lang="es-ES" dirty="0" smtClean="0">
+              <a:rPr lang="es-ES" dirty="0">
                 <a:solidFill>
                   <a:schemeClr val="bg1"/>
                 </a:solidFill>
@@ -8004,7 +8376,7 @@
               <a:t>El nombre de nuestro videojuego es “</a:t>
             </a:r>
             <a:r>
-              <a:rPr lang="es-ES" dirty="0" err="1" smtClean="0">
+              <a:rPr lang="es-ES" dirty="0" err="1">
                 <a:solidFill>
                   <a:schemeClr val="bg1"/>
                 </a:solidFill>
@@ -8012,7 +8384,7 @@
               <a:t>The</a:t>
             </a:r>
             <a:r>
-              <a:rPr lang="es-ES" dirty="0" smtClean="0">
+              <a:rPr lang="es-ES" dirty="0">
                 <a:solidFill>
                   <a:schemeClr val="bg1"/>
                 </a:solidFill>
@@ -8020,7 +8392,7 @@
               <a:t> </a:t>
             </a:r>
             <a:r>
-              <a:rPr lang="es-ES" dirty="0" err="1" smtClean="0">
+              <a:rPr lang="es-ES" dirty="0" err="1">
                 <a:solidFill>
                   <a:schemeClr val="bg1"/>
                 </a:solidFill>
@@ -8028,7 +8400,7 @@
               <a:t>Lands</a:t>
             </a:r>
             <a:r>
-              <a:rPr lang="es-ES" dirty="0" smtClean="0">
+              <a:rPr lang="es-ES" dirty="0">
                 <a:solidFill>
                   <a:schemeClr val="bg1"/>
                 </a:solidFill>
@@ -8036,7 +8408,7 @@
               <a:t> of </a:t>
             </a:r>
             <a:r>
-              <a:rPr lang="es-ES" dirty="0" err="1" smtClean="0">
+              <a:rPr lang="es-ES" dirty="0" err="1">
                 <a:solidFill>
                   <a:schemeClr val="bg1"/>
                 </a:solidFill>
@@ -8044,7 +8416,7 @@
               <a:t>Adventures</a:t>
             </a:r>
             <a:r>
-              <a:rPr lang="es-ES" dirty="0" smtClean="0">
+              <a:rPr lang="es-ES" dirty="0">
                 <a:solidFill>
                   <a:schemeClr val="bg1"/>
                 </a:solidFill>
@@ -8081,13 +8453,6 @@
       </p:transition>
     </mc:Fallback>
   </mc:AlternateContent>
-  <p:timing>
-    <p:tnLst>
-      <p:par>
-        <p:cTn id="1" dur="indefinite" restart="never" nodeType="tmRoot"/>
-      </p:par>
-    </p:tnLst>
-  </p:timing>
 </p:sld>
 </file>
 
@@ -8154,7 +8519,7 @@
           <a:lstStyle/>
           <a:p>
             <a:r>
-              <a:rPr lang="es-ES" b="1" dirty="0" smtClean="0">
+              <a:rPr lang="es-ES" b="1" dirty="0">
                 <a:solidFill>
                   <a:schemeClr val="bg1"/>
                 </a:solidFill>
@@ -8186,7 +8551,7 @@
           <a:p>
             <a:pPr algn="just"/>
             <a:r>
-              <a:rPr lang="es-DO" dirty="0" err="1" smtClean="0">
+              <a:rPr lang="es-DO" dirty="0" err="1">
                 <a:solidFill>
                   <a:schemeClr val="bg1"/>
                 </a:solidFill>
@@ -8195,7 +8560,7 @@
               <a:t>The</a:t>
             </a:r>
             <a:r>
-              <a:rPr lang="es-DO" dirty="0" smtClean="0">
+              <a:rPr lang="es-DO" dirty="0">
                 <a:solidFill>
                   <a:schemeClr val="bg1"/>
                 </a:solidFill>
@@ -8237,70 +8602,7 @@
                 </a:solidFill>
                 <a:effectLst/>
               </a:rPr>
-              <a:t>, básicamente, es un juego RPG de aventura donde el protagonista se despierta en una isla muy </a:t>
-            </a:r>
-            <a:r>
-              <a:rPr lang="es-DO" dirty="0" smtClean="0">
-                <a:solidFill>
-                  <a:schemeClr val="bg1"/>
-                </a:solidFill>
-                <a:effectLst/>
-              </a:rPr>
-              <a:t>confundido. Tratando </a:t>
-            </a:r>
-            <a:r>
-              <a:rPr lang="es-DO" dirty="0">
-                <a:solidFill>
-                  <a:schemeClr val="bg1"/>
-                </a:solidFill>
-                <a:effectLst/>
-              </a:rPr>
-              <a:t>de encontrar la salida se encuentra con un objeto que lo toma en toda su ignorancia, sin saber que ese objeto </a:t>
-            </a:r>
-            <a:r>
-              <a:rPr lang="es-DO" dirty="0" smtClean="0">
-                <a:solidFill>
-                  <a:schemeClr val="bg1"/>
-                </a:solidFill>
-                <a:effectLst/>
-              </a:rPr>
-              <a:t>atraería a un viajero de otro mundo que lo trataría de matar. </a:t>
-            </a:r>
-            <a:r>
-              <a:rPr lang="es-DO" dirty="0">
-                <a:solidFill>
-                  <a:schemeClr val="bg1"/>
-                </a:solidFill>
-                <a:effectLst/>
-              </a:rPr>
-              <a:t>Se encuentra con dicho </a:t>
-            </a:r>
-            <a:r>
-              <a:rPr lang="es-DO" dirty="0" smtClean="0">
-                <a:solidFill>
-                  <a:schemeClr val="bg1"/>
-                </a:solidFill>
-                <a:effectLst/>
-              </a:rPr>
-              <a:t>viajero y </a:t>
-            </a:r>
-            <a:r>
-              <a:rPr lang="es-DO" dirty="0">
-                <a:solidFill>
-                  <a:schemeClr val="bg1"/>
-                </a:solidFill>
-                <a:effectLst/>
-              </a:rPr>
-              <a:t>termina desmayado. Luego, lo rescatan y su objetivo es vengarse de </a:t>
-            </a:r>
-            <a:r>
-              <a:rPr lang="es-DO" dirty="0" smtClean="0">
-                <a:solidFill>
-                  <a:schemeClr val="bg1"/>
-                </a:solidFill>
-                <a:effectLst/>
-              </a:rPr>
-              <a:t>ese viajero malvado de otro mundo. </a:t>
+              <a:t>, básicamente, es un juego RPG de aventura donde el protagonista se despierta en una isla muy confundido. Tratando de encontrar la salida se encuentra con un objeto que lo toma en toda su ignorancia, sin saber que ese objeto atraería a un viajero de otro mundo que lo trataría de matar. Se encuentra con dicho viajero y termina desmayado. Luego, lo rescatan y su objetivo es vengarse de ese viajero malvado de otro mundo. </a:t>
             </a:r>
             <a:endParaRPr lang="es-US" dirty="0">
               <a:solidFill>
@@ -8327,13 +8629,6 @@
   <p:transition spd="slow">
     <p:push dir="u"/>
   </p:transition>
-  <p:timing>
-    <p:tnLst>
-      <p:par>
-        <p:cTn id="1" dur="indefinite" restart="never" nodeType="tmRoot"/>
-      </p:par>
-    </p:tnLst>
-  </p:timing>
 </p:sld>
 </file>
 
@@ -8400,7 +8695,7 @@
           <a:lstStyle/>
           <a:p>
             <a:r>
-              <a:rPr lang="es-ES" b="1" dirty="0" smtClean="0">
+              <a:rPr lang="es-ES" b="1" dirty="0">
                 <a:solidFill>
                   <a:schemeClr val="bg1"/>
                 </a:solidFill>
@@ -8438,43 +8733,7 @@
                 </a:solidFill>
                 <a:effectLst/>
               </a:rPr>
-              <a:t>La motivación surge de crear un juego que sea divertido y entretenido. Además, se intentará implementar el formato online para que el juego sea aún más entretenido. </a:t>
-            </a:r>
-            <a:r>
-              <a:rPr lang="es-DO" dirty="0" smtClean="0">
-                <a:solidFill>
-                  <a:schemeClr val="bg1"/>
-                </a:solidFill>
-                <a:effectLst/>
-              </a:rPr>
-              <a:t>Por otro lado, </a:t>
-            </a:r>
-            <a:r>
-              <a:rPr lang="es-DO" dirty="0">
-                <a:solidFill>
-                  <a:schemeClr val="bg1"/>
-                </a:solidFill>
-                <a:effectLst/>
-              </a:rPr>
-              <a:t>parte de </a:t>
-            </a:r>
-            <a:r>
-              <a:rPr lang="es-DO" dirty="0" smtClean="0">
-                <a:solidFill>
-                  <a:schemeClr val="bg1"/>
-                </a:solidFill>
-                <a:effectLst/>
-              </a:rPr>
-              <a:t>esa motivación </a:t>
-            </a:r>
-            <a:r>
-              <a:rPr lang="es-DO" dirty="0">
-                <a:solidFill>
-                  <a:schemeClr val="bg1"/>
-                </a:solidFill>
-                <a:effectLst/>
-              </a:rPr>
-              <a:t>surgió de un juego llamada </a:t>
+              <a:t>La motivación surge de crear un juego que sea divertido y entretenido. Además, se intentará implementar el formato online para que el juego sea aún más entretenido. Por otro lado, parte de esa motivación surgió de un juego llamada </a:t>
             </a:r>
             <a:r>
               <a:rPr lang="es-DO" dirty="0" err="1">
@@ -8510,16 +8769,7 @@
                 </a:solidFill>
                 <a:effectLst/>
               </a:rPr>
-              <a:t>, que es otro juego MMORPG al estilo </a:t>
-            </a:r>
-            <a:r>
-              <a:rPr lang="es-DO" dirty="0" smtClean="0">
-                <a:solidFill>
-                  <a:schemeClr val="bg1"/>
-                </a:solidFill>
-                <a:effectLst/>
-              </a:rPr>
-              <a:t>2D retro.</a:t>
+              <a:t>, que es otro juego MMORPG al estilo 2D retro.</a:t>
             </a:r>
             <a:endParaRPr lang="es-US" dirty="0">
               <a:solidFill>
@@ -8546,13 +8796,6 @@
   <p:transition spd="slow">
     <p:wipe/>
   </p:transition>
-  <p:timing>
-    <p:tnLst>
-      <p:par>
-        <p:cTn id="1" dur="indefinite" restart="never" nodeType="tmRoot"/>
-      </p:par>
-    </p:tnLst>
-  </p:timing>
 </p:sld>
 </file>
 
@@ -8619,7 +8862,7 @@
           <a:lstStyle/>
           <a:p>
             <a:r>
-              <a:rPr lang="es-ES" b="1" dirty="0" smtClean="0">
+              <a:rPr lang="es-ES" b="1" dirty="0">
                 <a:solidFill>
                   <a:schemeClr val="bg1"/>
                 </a:solidFill>
@@ -8657,25 +8900,7 @@
                 </a:solidFill>
                 <a:effectLst/>
               </a:rPr>
-              <a:t>El objetivo general del juego es lograr que las personas puedan despejar su mente del mundo real y puedan sumergirse en la aventura del juego y que le provoque más deseos de terminar </a:t>
-            </a:r>
-            <a:r>
-              <a:rPr lang="es-DO" dirty="0" smtClean="0">
-                <a:solidFill>
-                  <a:schemeClr val="bg1"/>
-                </a:solidFill>
-                <a:effectLst/>
-              </a:rPr>
-              <a:t>dicha historia</a:t>
-            </a:r>
-            <a:r>
-              <a:rPr lang="es-DO" dirty="0">
-                <a:solidFill>
-                  <a:schemeClr val="bg1"/>
-                </a:solidFill>
-                <a:effectLst/>
-              </a:rPr>
-              <a:t>.</a:t>
+              <a:t>El objetivo general del juego es lograr que las personas puedan despejar su mente del mundo real y puedan sumergirse en la aventura del juego y que le provoque más deseos de terminar dicha historia.</a:t>
             </a:r>
             <a:endParaRPr lang="es-US" dirty="0">
               <a:solidFill>
@@ -8711,13 +8936,6 @@
       </p:transition>
     </mc:Fallback>
   </mc:AlternateContent>
-  <p:timing>
-    <p:tnLst>
-      <p:par>
-        <p:cTn id="1" dur="indefinite" restart="never" nodeType="tmRoot"/>
-      </p:par>
-    </p:tnLst>
-  </p:timing>
 </p:sld>
 </file>
 
@@ -8784,7 +9002,7 @@
           <a:lstStyle/>
           <a:p>
             <a:r>
-              <a:rPr lang="es-ES" b="1" dirty="0" smtClean="0">
+              <a:rPr lang="es-ES" b="1" dirty="0">
                 <a:solidFill>
                   <a:schemeClr val="bg1"/>
                 </a:solidFill>
@@ -8845,16 +9063,7 @@
                 </a:solidFill>
                 <a:effectLst/>
               </a:rPr>
-              <a:t>Que la persona pueda disfrutar la aventura del juego, a través, de diferentes métodos</a:t>
-            </a:r>
-            <a:r>
-              <a:rPr lang="es-ES" dirty="0" smtClean="0">
-                <a:solidFill>
-                  <a:schemeClr val="bg1"/>
-                </a:solidFill>
-                <a:effectLst/>
-              </a:rPr>
-              <a:t>.</a:t>
+              <a:t>Que la persona pueda disfrutar la aventura del juego, a través, de diferentes métodos.</a:t>
             </a:r>
           </a:p>
           <a:p>
@@ -8893,13 +9102,432 @@
       </p:transition>
     </mc:Fallback>
   </mc:AlternateContent>
-  <p:timing>
-    <p:tnLst>
-      <p:par>
-        <p:cTn id="1" dur="indefinite" restart="never" nodeType="tmRoot"/>
-      </p:par>
-    </p:tnLst>
-  </p:timing>
+</p:sld>
+</file>
+
+<file path=ppt/slides/slide7.xml><?xml version="1.0" encoding="utf-8"?>
+<p:sld xmlns:a="http://schemas.openxmlformats.org/drawingml/2006/main" xmlns:r="http://schemas.openxmlformats.org/officeDocument/2006/relationships" xmlns:p="http://schemas.openxmlformats.org/presentationml/2006/main">
+  <p:cSld>
+    <p:spTree>
+      <p:nvGrpSpPr>
+        <p:cNvPr id="1" name=""/>
+        <p:cNvGrpSpPr/>
+        <p:nvPr/>
+      </p:nvGrpSpPr>
+      <p:grpSpPr>
+        <a:xfrm>
+          <a:off x="0" y="0"/>
+          <a:ext cx="0" cy="0"/>
+          <a:chOff x="0" y="0"/>
+          <a:chExt cx="0" cy="0"/>
+        </a:xfrm>
+      </p:grpSpPr>
+      <p:pic>
+        <p:nvPicPr>
+          <p:cNvPr id="4" name="Imagen 3"/>
+          <p:cNvPicPr>
+            <a:picLocks noChangeAspect="1"/>
+          </p:cNvPicPr>
+          <p:nvPr/>
+        </p:nvPicPr>
+        <p:blipFill>
+          <a:blip r:embed="rId2">
+            <a:extLst>
+              <a:ext uri="{28A0092B-C50C-407E-A947-70E740481C1C}">
+                <a14:useLocalDpi xmlns:a14="http://schemas.microsoft.com/office/drawing/2010/main" val="0"/>
+              </a:ext>
+            </a:extLst>
+          </a:blip>
+          <a:stretch>
+            <a:fillRect/>
+          </a:stretch>
+        </p:blipFill>
+        <p:spPr>
+          <a:xfrm>
+            <a:off x="0" y="-3518"/>
+            <a:ext cx="12185754" cy="6861517"/>
+          </a:xfrm>
+          <a:prstGeom prst="rect">
+            <a:avLst/>
+          </a:prstGeom>
+        </p:spPr>
+      </p:pic>
+      <p:sp>
+        <p:nvSpPr>
+          <p:cNvPr id="2" name="Título 1"/>
+          <p:cNvSpPr>
+            <a:spLocks noGrp="1"/>
+          </p:cNvSpPr>
+          <p:nvPr>
+            <p:ph type="title"/>
+          </p:nvPr>
+        </p:nvSpPr>
+        <p:spPr/>
+        <p:txBody>
+          <a:bodyPr/>
+          <a:lstStyle/>
+          <a:p>
+            <a:r>
+              <a:rPr lang="es-ES" b="1" dirty="0">
+                <a:solidFill>
+                  <a:schemeClr val="bg1"/>
+                </a:solidFill>
+              </a:rPr>
+              <a:t>6) Prototipos</a:t>
+            </a:r>
+            <a:endParaRPr lang="es-US" b="1" dirty="0">
+              <a:solidFill>
+                <a:schemeClr val="bg1"/>
+              </a:solidFill>
+            </a:endParaRPr>
+          </a:p>
+        </p:txBody>
+      </p:sp>
+      <p:sp>
+        <p:nvSpPr>
+          <p:cNvPr id="3" name="Marcador de contenido 2"/>
+          <p:cNvSpPr>
+            <a:spLocks noGrp="1"/>
+          </p:cNvSpPr>
+          <p:nvPr>
+            <p:ph idx="1"/>
+          </p:nvPr>
+        </p:nvSpPr>
+        <p:spPr/>
+        <p:txBody>
+          <a:bodyPr/>
+          <a:lstStyle/>
+          <a:p>
+            <a:pPr algn="just"/>
+            <a:r>
+              <a:rPr lang="es-DO" dirty="0">
+                <a:solidFill>
+                  <a:schemeClr val="bg1"/>
+                </a:solidFill>
+                <a:effectLst/>
+              </a:rPr>
+              <a:t>Para la creación de prototipos, tenemos pensado examinar otros prototipos de diferentes juegos, además de lo que ya hemos visto y sabemos cómo funcionan. En los prototipos se suele colocar una parte del juego o un </a:t>
+            </a:r>
+            <a:r>
+              <a:rPr lang="es-DO" dirty="0" err="1">
+                <a:solidFill>
+                  <a:schemeClr val="bg1"/>
+                </a:solidFill>
+                <a:effectLst/>
+              </a:rPr>
+              <a:t>Gameplay</a:t>
+            </a:r>
+            <a:r>
+              <a:rPr lang="es-DO" dirty="0">
+                <a:solidFill>
+                  <a:schemeClr val="bg1"/>
+                </a:solidFill>
+                <a:effectLst/>
+              </a:rPr>
+              <a:t> aparte del juego en si para que los usuarios testeen el juego y den sus opiniones para así ir mejorando el juego original y depurándolo.</a:t>
+            </a:r>
+            <a:endParaRPr lang="es-US" dirty="0">
+              <a:solidFill>
+                <a:schemeClr val="bg1"/>
+              </a:solidFill>
+              <a:effectLst/>
+            </a:endParaRPr>
+          </a:p>
+          <a:p>
+            <a:endParaRPr lang="es-US" dirty="0">
+              <a:solidFill>
+                <a:schemeClr val="bg1"/>
+              </a:solidFill>
+            </a:endParaRPr>
+          </a:p>
+        </p:txBody>
+      </p:sp>
+    </p:spTree>
+    <p:extLst>
+      <p:ext uri="{BB962C8B-B14F-4D97-AF65-F5344CB8AC3E}">
+        <p14:creationId xmlns:p14="http://schemas.microsoft.com/office/powerpoint/2010/main" val="1661111464"/>
+      </p:ext>
+    </p:extLst>
+  </p:cSld>
+  <p:clrMapOvr>
+    <a:masterClrMapping/>
+  </p:clrMapOvr>
+</p:sld>
+</file>
+
+<file path=ppt/slides/slide8.xml><?xml version="1.0" encoding="utf-8"?>
+<p:sld xmlns:a="http://schemas.openxmlformats.org/drawingml/2006/main" xmlns:r="http://schemas.openxmlformats.org/officeDocument/2006/relationships" xmlns:p="http://schemas.openxmlformats.org/presentationml/2006/main">
+  <p:cSld>
+    <p:spTree>
+      <p:nvGrpSpPr>
+        <p:cNvPr id="1" name=""/>
+        <p:cNvGrpSpPr/>
+        <p:nvPr/>
+      </p:nvGrpSpPr>
+      <p:grpSpPr>
+        <a:xfrm>
+          <a:off x="0" y="0"/>
+          <a:ext cx="0" cy="0"/>
+          <a:chOff x="0" y="0"/>
+          <a:chExt cx="0" cy="0"/>
+        </a:xfrm>
+      </p:grpSpPr>
+      <p:pic>
+        <p:nvPicPr>
+          <p:cNvPr id="4" name="Imagen 3"/>
+          <p:cNvPicPr>
+            <a:picLocks noChangeAspect="1"/>
+          </p:cNvPicPr>
+          <p:nvPr/>
+        </p:nvPicPr>
+        <p:blipFill>
+          <a:blip r:embed="rId2">
+            <a:extLst>
+              <a:ext uri="{28A0092B-C50C-407E-A947-70E740481C1C}">
+                <a14:useLocalDpi xmlns:a14="http://schemas.microsoft.com/office/drawing/2010/main" val="0"/>
+              </a:ext>
+            </a:extLst>
+          </a:blip>
+          <a:stretch>
+            <a:fillRect/>
+          </a:stretch>
+        </p:blipFill>
+        <p:spPr>
+          <a:xfrm>
+            <a:off x="0" y="-3518"/>
+            <a:ext cx="12185754" cy="6861517"/>
+          </a:xfrm>
+          <a:prstGeom prst="rect">
+            <a:avLst/>
+          </a:prstGeom>
+        </p:spPr>
+      </p:pic>
+      <p:sp>
+        <p:nvSpPr>
+          <p:cNvPr id="2" name="Título 1"/>
+          <p:cNvSpPr>
+            <a:spLocks noGrp="1"/>
+          </p:cNvSpPr>
+          <p:nvPr>
+            <p:ph type="title"/>
+          </p:nvPr>
+        </p:nvSpPr>
+        <p:spPr/>
+        <p:txBody>
+          <a:bodyPr/>
+          <a:lstStyle/>
+          <a:p>
+            <a:r>
+              <a:rPr lang="es-ES" b="1" dirty="0">
+                <a:solidFill>
+                  <a:schemeClr val="bg1"/>
+                </a:solidFill>
+              </a:rPr>
+              <a:t>7) Perfiles de usuarios</a:t>
+            </a:r>
+            <a:endParaRPr lang="es-US" b="1" dirty="0">
+              <a:solidFill>
+                <a:schemeClr val="bg1"/>
+              </a:solidFill>
+            </a:endParaRPr>
+          </a:p>
+        </p:txBody>
+      </p:sp>
+      <p:sp>
+        <p:nvSpPr>
+          <p:cNvPr id="3" name="Marcador de contenido 2"/>
+          <p:cNvSpPr>
+            <a:spLocks noGrp="1"/>
+          </p:cNvSpPr>
+          <p:nvPr>
+            <p:ph idx="1"/>
+          </p:nvPr>
+        </p:nvSpPr>
+        <p:spPr/>
+        <p:txBody>
+          <a:bodyPr/>
+          <a:lstStyle/>
+          <a:p>
+            <a:pPr marL="0" indent="0">
+              <a:buNone/>
+            </a:pPr>
+            <a:r>
+              <a:rPr lang="es-US" dirty="0">
+                <a:solidFill>
+                  <a:schemeClr val="bg1"/>
+                </a:solidFill>
+                <a:effectLst/>
+              </a:rPr>
+              <a:t>El público para el cual se diseña este videojuego es para:</a:t>
+            </a:r>
+          </a:p>
+          <a:p>
+            <a:pPr fontAlgn="base"/>
+            <a:r>
+              <a:rPr lang="es-US" dirty="0">
+                <a:solidFill>
+                  <a:schemeClr val="bg1"/>
+                </a:solidFill>
+                <a:effectLst/>
+              </a:rPr>
+              <a:t>Personas entre 10 años de edad en adelante.</a:t>
+            </a:r>
+          </a:p>
+          <a:p>
+            <a:pPr lvl="0" fontAlgn="base"/>
+            <a:r>
+              <a:rPr lang="es-US" dirty="0">
+                <a:solidFill>
+                  <a:schemeClr val="bg1"/>
+                </a:solidFill>
+                <a:effectLst/>
+              </a:rPr>
+              <a:t>Personas con conocimiento del idioma.</a:t>
+            </a:r>
+          </a:p>
+          <a:p>
+            <a:endParaRPr lang="es-US" dirty="0"/>
+          </a:p>
+        </p:txBody>
+      </p:sp>
+    </p:spTree>
+    <p:extLst>
+      <p:ext uri="{BB962C8B-B14F-4D97-AF65-F5344CB8AC3E}">
+        <p14:creationId xmlns:p14="http://schemas.microsoft.com/office/powerpoint/2010/main" val="4249919683"/>
+      </p:ext>
+    </p:extLst>
+  </p:cSld>
+  <p:clrMapOvr>
+    <a:masterClrMapping/>
+  </p:clrMapOvr>
+</p:sld>
+</file>
+
+<file path=ppt/slides/slide9.xml><?xml version="1.0" encoding="utf-8"?>
+<p:sld xmlns:a="http://schemas.openxmlformats.org/drawingml/2006/main" xmlns:r="http://schemas.openxmlformats.org/officeDocument/2006/relationships" xmlns:p="http://schemas.openxmlformats.org/presentationml/2006/main">
+  <p:cSld>
+    <p:spTree>
+      <p:nvGrpSpPr>
+        <p:cNvPr id="1" name=""/>
+        <p:cNvGrpSpPr/>
+        <p:nvPr/>
+      </p:nvGrpSpPr>
+      <p:grpSpPr>
+        <a:xfrm>
+          <a:off x="0" y="0"/>
+          <a:ext cx="0" cy="0"/>
+          <a:chOff x="0" y="0"/>
+          <a:chExt cx="0" cy="0"/>
+        </a:xfrm>
+      </p:grpSpPr>
+      <p:pic>
+        <p:nvPicPr>
+          <p:cNvPr id="4" name="Imagen 3"/>
+          <p:cNvPicPr>
+            <a:picLocks noChangeAspect="1"/>
+          </p:cNvPicPr>
+          <p:nvPr/>
+        </p:nvPicPr>
+        <p:blipFill>
+          <a:blip r:embed="rId2">
+            <a:extLst>
+              <a:ext uri="{28A0092B-C50C-407E-A947-70E740481C1C}">
+                <a14:useLocalDpi xmlns:a14="http://schemas.microsoft.com/office/drawing/2010/main" val="0"/>
+              </a:ext>
+            </a:extLst>
+          </a:blip>
+          <a:stretch>
+            <a:fillRect/>
+          </a:stretch>
+        </p:blipFill>
+        <p:spPr>
+          <a:xfrm>
+            <a:off x="0" y="-3518"/>
+            <a:ext cx="12185754" cy="6861517"/>
+          </a:xfrm>
+          <a:prstGeom prst="rect">
+            <a:avLst/>
+          </a:prstGeom>
+        </p:spPr>
+      </p:pic>
+      <p:sp>
+        <p:nvSpPr>
+          <p:cNvPr id="2" name="Título 1"/>
+          <p:cNvSpPr>
+            <a:spLocks noGrp="1"/>
+          </p:cNvSpPr>
+          <p:nvPr>
+            <p:ph type="title"/>
+          </p:nvPr>
+        </p:nvSpPr>
+        <p:spPr/>
+        <p:txBody>
+          <a:bodyPr/>
+          <a:lstStyle/>
+          <a:p>
+            <a:r>
+              <a:rPr lang="es-ES" b="1" dirty="0">
+                <a:solidFill>
+                  <a:schemeClr val="bg1"/>
+                </a:solidFill>
+              </a:rPr>
+              <a:t>8) Usabilidad</a:t>
+            </a:r>
+            <a:endParaRPr lang="es-US" b="1" dirty="0">
+              <a:solidFill>
+                <a:schemeClr val="bg1"/>
+              </a:solidFill>
+            </a:endParaRPr>
+          </a:p>
+        </p:txBody>
+      </p:sp>
+      <p:sp>
+        <p:nvSpPr>
+          <p:cNvPr id="3" name="Marcador de contenido 2"/>
+          <p:cNvSpPr>
+            <a:spLocks noGrp="1"/>
+          </p:cNvSpPr>
+          <p:nvPr>
+            <p:ph idx="1"/>
+          </p:nvPr>
+        </p:nvSpPr>
+        <p:spPr/>
+        <p:txBody>
+          <a:bodyPr/>
+          <a:lstStyle/>
+          <a:p>
+            <a:pPr algn="just"/>
+            <a:r>
+              <a:rPr lang="es-DO" dirty="0">
+                <a:solidFill>
+                  <a:schemeClr val="bg1"/>
+                </a:solidFill>
+                <a:effectLst/>
+              </a:rPr>
+              <a:t>La usabilidad de este videojuego hasta ahora, por nosotros los diseñadores, ha sido con éxito. Por eso, tratamos de dejar lo más explícito y más comprensible posible toda la interfaz del videojuego para el usuario, hasta tal punto, donde los controles del videojuego sea fácil de aprender.</a:t>
+            </a:r>
+            <a:endParaRPr lang="es-US" dirty="0">
+              <a:solidFill>
+                <a:schemeClr val="bg1"/>
+              </a:solidFill>
+              <a:effectLst/>
+            </a:endParaRPr>
+          </a:p>
+          <a:p>
+            <a:endParaRPr lang="es-US" dirty="0"/>
+          </a:p>
+        </p:txBody>
+      </p:sp>
+    </p:spTree>
+    <p:extLst>
+      <p:ext uri="{BB962C8B-B14F-4D97-AF65-F5344CB8AC3E}">
+        <p14:creationId xmlns:p14="http://schemas.microsoft.com/office/powerpoint/2010/main" val="2630378801"/>
+      </p:ext>
+    </p:extLst>
+  </p:cSld>
+  <p:clrMapOvr>
+    <a:masterClrMapping/>
+  </p:clrMapOvr>
 </p:sld>
 </file>
 

--- a/EntregaFinal.pptx
+++ b/EntregaFinal.pptx
@@ -16,6 +16,12 @@
     <p:sldId id="277" r:id="rId10"/>
     <p:sldId id="278" r:id="rId11"/>
     <p:sldId id="279" r:id="rId12"/>
+    <p:sldId id="280" r:id="rId13"/>
+    <p:sldId id="281" r:id="rId14"/>
+    <p:sldId id="282" r:id="rId15"/>
+    <p:sldId id="283" r:id="rId16"/>
+    <p:sldId id="284" r:id="rId17"/>
+    <p:sldId id="285" r:id="rId18"/>
   </p:sldIdLst>
   <p:sldSz cx="12192000" cy="6858000"/>
   <p:notesSz cx="6858000" cy="9144000"/>
@@ -8274,6 +8280,976 @@
 </p:sld>
 </file>
 
+<file path=ppt/slides/slide12.xml><?xml version="1.0" encoding="utf-8"?>
+<p:sld xmlns:a="http://schemas.openxmlformats.org/drawingml/2006/main" xmlns:r="http://schemas.openxmlformats.org/officeDocument/2006/relationships" xmlns:p="http://schemas.openxmlformats.org/presentationml/2006/main">
+  <p:cSld>
+    <p:spTree>
+      <p:nvGrpSpPr>
+        <p:cNvPr id="1" name=""/>
+        <p:cNvGrpSpPr/>
+        <p:nvPr/>
+      </p:nvGrpSpPr>
+      <p:grpSpPr>
+        <a:xfrm>
+          <a:off x="0" y="0"/>
+          <a:ext cx="0" cy="0"/>
+          <a:chOff x="0" y="0"/>
+          <a:chExt cx="0" cy="0"/>
+        </a:xfrm>
+      </p:grpSpPr>
+      <p:pic>
+        <p:nvPicPr>
+          <p:cNvPr id="4" name="Imagen 3"/>
+          <p:cNvPicPr>
+            <a:picLocks noChangeAspect="1"/>
+          </p:cNvPicPr>
+          <p:nvPr/>
+        </p:nvPicPr>
+        <p:blipFill>
+          <a:blip r:embed="rId2">
+            <a:extLst>
+              <a:ext uri="{28A0092B-C50C-407E-A947-70E740481C1C}">
+                <a14:useLocalDpi xmlns:a14="http://schemas.microsoft.com/office/drawing/2010/main" val="0"/>
+              </a:ext>
+            </a:extLst>
+          </a:blip>
+          <a:stretch>
+            <a:fillRect/>
+          </a:stretch>
+        </p:blipFill>
+        <p:spPr>
+          <a:xfrm>
+            <a:off x="0" y="-3518"/>
+            <a:ext cx="12185754" cy="6861517"/>
+          </a:xfrm>
+          <a:prstGeom prst="rect">
+            <a:avLst/>
+          </a:prstGeom>
+        </p:spPr>
+      </p:pic>
+      <p:sp>
+        <p:nvSpPr>
+          <p:cNvPr id="2" name="Título 1"/>
+          <p:cNvSpPr>
+            <a:spLocks noGrp="1"/>
+          </p:cNvSpPr>
+          <p:nvPr>
+            <p:ph type="title"/>
+          </p:nvPr>
+        </p:nvSpPr>
+        <p:spPr/>
+        <p:txBody>
+          <a:bodyPr/>
+          <a:lstStyle/>
+          <a:p>
+            <a:r>
+              <a:rPr lang="es-ES" b="1" dirty="0">
+                <a:solidFill>
+                  <a:schemeClr val="bg1"/>
+                </a:solidFill>
+              </a:rPr>
+              <a:t>11) Instrucciones de uso</a:t>
+            </a:r>
+            <a:endParaRPr lang="es-US" b="1" dirty="0">
+              <a:solidFill>
+                <a:schemeClr val="bg1"/>
+              </a:solidFill>
+            </a:endParaRPr>
+          </a:p>
+        </p:txBody>
+      </p:sp>
+      <p:sp>
+        <p:nvSpPr>
+          <p:cNvPr id="3" name="Marcador de contenido 2"/>
+          <p:cNvSpPr>
+            <a:spLocks noGrp="1"/>
+          </p:cNvSpPr>
+          <p:nvPr>
+            <p:ph idx="1"/>
+          </p:nvPr>
+        </p:nvSpPr>
+        <p:spPr/>
+        <p:txBody>
+          <a:bodyPr/>
+          <a:lstStyle/>
+          <a:p>
+            <a:pPr marL="0" indent="0" algn="just">
+              <a:buNone/>
+            </a:pPr>
+            <a:r>
+              <a:rPr lang="es-ES" dirty="0">
+                <a:solidFill>
+                  <a:schemeClr val="bg1"/>
+                </a:solidFill>
+                <a:effectLst/>
+              </a:rPr>
+              <a:t>En cuanto a los controles, tenemos los siguientes:</a:t>
+            </a:r>
+            <a:endParaRPr lang="es-US" dirty="0">
+              <a:solidFill>
+                <a:schemeClr val="bg1"/>
+              </a:solidFill>
+              <a:effectLst/>
+            </a:endParaRPr>
+          </a:p>
+          <a:p>
+            <a:pPr lvl="0" algn="just"/>
+            <a:r>
+              <a:rPr lang="es-ES" dirty="0">
+                <a:solidFill>
+                  <a:schemeClr val="bg1"/>
+                </a:solidFill>
+                <a:effectLst/>
+              </a:rPr>
+              <a:t>W, A, D, S o las flechas del teclado para mover al personaje.</a:t>
+            </a:r>
+            <a:endParaRPr lang="es-US" dirty="0">
+              <a:solidFill>
+                <a:schemeClr val="bg1"/>
+              </a:solidFill>
+              <a:effectLst/>
+            </a:endParaRPr>
+          </a:p>
+          <a:p>
+            <a:pPr lvl="0" algn="just"/>
+            <a:r>
+              <a:rPr lang="es-ES" dirty="0">
+                <a:solidFill>
+                  <a:schemeClr val="bg1"/>
+                </a:solidFill>
+                <a:effectLst/>
+              </a:rPr>
+              <a:t>X para golpear.</a:t>
+            </a:r>
+            <a:endParaRPr lang="es-US" dirty="0">
+              <a:solidFill>
+                <a:schemeClr val="bg1"/>
+              </a:solidFill>
+              <a:effectLst/>
+            </a:endParaRPr>
+          </a:p>
+          <a:p>
+            <a:pPr lvl="0" algn="just"/>
+            <a:r>
+              <a:rPr lang="es-ES" dirty="0">
+                <a:solidFill>
+                  <a:schemeClr val="bg1"/>
+                </a:solidFill>
+                <a:effectLst/>
+              </a:rPr>
+              <a:t>Z presionada carga la habilidad del personaje.</a:t>
+            </a:r>
+            <a:endParaRPr lang="es-US" dirty="0">
+              <a:solidFill>
+                <a:schemeClr val="bg1"/>
+              </a:solidFill>
+              <a:effectLst/>
+            </a:endParaRPr>
+          </a:p>
+          <a:p>
+            <a:pPr lvl="0" algn="just"/>
+            <a:r>
+              <a:rPr lang="es-ES" dirty="0" err="1">
+                <a:solidFill>
+                  <a:schemeClr val="bg1"/>
+                </a:solidFill>
+                <a:effectLst/>
+              </a:rPr>
+              <a:t>Crtl</a:t>
+            </a:r>
+            <a:r>
+              <a:rPr lang="es-ES" dirty="0">
+                <a:solidFill>
+                  <a:schemeClr val="bg1"/>
+                </a:solidFill>
+                <a:effectLst/>
+              </a:rPr>
+              <a:t> + una dirección cualquiera, el personaje realiza un </a:t>
+            </a:r>
+            <a:r>
+              <a:rPr lang="es-ES" dirty="0" err="1">
+                <a:solidFill>
+                  <a:schemeClr val="bg1"/>
+                </a:solidFill>
+                <a:effectLst/>
+              </a:rPr>
+              <a:t>dash</a:t>
+            </a:r>
+            <a:r>
+              <a:rPr lang="es-ES" dirty="0">
+                <a:solidFill>
+                  <a:schemeClr val="bg1"/>
+                </a:solidFill>
+                <a:effectLst/>
+              </a:rPr>
+              <a:t> que le permite andar más rápido.</a:t>
+            </a:r>
+            <a:endParaRPr lang="es-US" dirty="0">
+              <a:solidFill>
+                <a:schemeClr val="bg1"/>
+              </a:solidFill>
+              <a:effectLst/>
+            </a:endParaRPr>
+          </a:p>
+          <a:p>
+            <a:pPr lvl="0" algn="just"/>
+            <a:r>
+              <a:rPr lang="es-ES" dirty="0">
+                <a:solidFill>
+                  <a:schemeClr val="bg1"/>
+                </a:solidFill>
+                <a:effectLst/>
+              </a:rPr>
+              <a:t>E para interactuar con los objetos y los </a:t>
+            </a:r>
+            <a:r>
+              <a:rPr lang="es-ES" dirty="0" err="1">
+                <a:solidFill>
+                  <a:schemeClr val="bg1"/>
+                </a:solidFill>
+                <a:effectLst/>
+              </a:rPr>
+              <a:t>npcs</a:t>
+            </a:r>
+            <a:r>
+              <a:rPr lang="es-ES" dirty="0">
+                <a:solidFill>
+                  <a:schemeClr val="bg1"/>
+                </a:solidFill>
+                <a:effectLst/>
+              </a:rPr>
+              <a:t>.</a:t>
+            </a:r>
+          </a:p>
+          <a:p>
+            <a:pPr lvl="0" algn="just"/>
+            <a:r>
+              <a:rPr lang="es-ES" dirty="0">
+                <a:solidFill>
+                  <a:schemeClr val="bg1"/>
+                </a:solidFill>
+                <a:effectLst/>
+              </a:rPr>
+              <a:t>I para abrir el inventario.</a:t>
+            </a:r>
+            <a:endParaRPr lang="es-US" dirty="0">
+              <a:solidFill>
+                <a:schemeClr val="bg1"/>
+              </a:solidFill>
+              <a:effectLst/>
+            </a:endParaRPr>
+          </a:p>
+          <a:p>
+            <a:endParaRPr lang="es-US" dirty="0"/>
+          </a:p>
+        </p:txBody>
+      </p:sp>
+    </p:spTree>
+    <p:extLst>
+      <p:ext uri="{BB962C8B-B14F-4D97-AF65-F5344CB8AC3E}">
+        <p14:creationId xmlns:p14="http://schemas.microsoft.com/office/powerpoint/2010/main" val="4018461630"/>
+      </p:ext>
+    </p:extLst>
+  </p:cSld>
+  <p:clrMapOvr>
+    <a:masterClrMapping/>
+  </p:clrMapOvr>
+</p:sld>
+</file>
+
+<file path=ppt/slides/slide13.xml><?xml version="1.0" encoding="utf-8"?>
+<p:sld xmlns:a="http://schemas.openxmlformats.org/drawingml/2006/main" xmlns:r="http://schemas.openxmlformats.org/officeDocument/2006/relationships" xmlns:p="http://schemas.openxmlformats.org/presentationml/2006/main">
+  <p:cSld>
+    <p:spTree>
+      <p:nvGrpSpPr>
+        <p:cNvPr id="1" name=""/>
+        <p:cNvGrpSpPr/>
+        <p:nvPr/>
+      </p:nvGrpSpPr>
+      <p:grpSpPr>
+        <a:xfrm>
+          <a:off x="0" y="0"/>
+          <a:ext cx="0" cy="0"/>
+          <a:chOff x="0" y="0"/>
+          <a:chExt cx="0" cy="0"/>
+        </a:xfrm>
+      </p:grpSpPr>
+      <p:pic>
+        <p:nvPicPr>
+          <p:cNvPr id="4" name="Imagen 3"/>
+          <p:cNvPicPr>
+            <a:picLocks noChangeAspect="1"/>
+          </p:cNvPicPr>
+          <p:nvPr/>
+        </p:nvPicPr>
+        <p:blipFill>
+          <a:blip r:embed="rId2">
+            <a:extLst>
+              <a:ext uri="{28A0092B-C50C-407E-A947-70E740481C1C}">
+                <a14:useLocalDpi xmlns:a14="http://schemas.microsoft.com/office/drawing/2010/main" val="0"/>
+              </a:ext>
+            </a:extLst>
+          </a:blip>
+          <a:stretch>
+            <a:fillRect/>
+          </a:stretch>
+        </p:blipFill>
+        <p:spPr>
+          <a:xfrm>
+            <a:off x="0" y="-3518"/>
+            <a:ext cx="12185754" cy="6861517"/>
+          </a:xfrm>
+          <a:prstGeom prst="rect">
+            <a:avLst/>
+          </a:prstGeom>
+        </p:spPr>
+      </p:pic>
+      <p:sp>
+        <p:nvSpPr>
+          <p:cNvPr id="2" name="Título 1"/>
+          <p:cNvSpPr>
+            <a:spLocks noGrp="1"/>
+          </p:cNvSpPr>
+          <p:nvPr>
+            <p:ph type="title"/>
+          </p:nvPr>
+        </p:nvSpPr>
+        <p:spPr/>
+        <p:txBody>
+          <a:bodyPr/>
+          <a:lstStyle/>
+          <a:p>
+            <a:r>
+              <a:rPr lang="es-ES" b="1" dirty="0">
+                <a:solidFill>
+                  <a:schemeClr val="bg1"/>
+                </a:solidFill>
+              </a:rPr>
+              <a:t>12) Proyección a futuro</a:t>
+            </a:r>
+            <a:endParaRPr lang="es-US" b="1" dirty="0">
+              <a:solidFill>
+                <a:schemeClr val="bg1"/>
+              </a:solidFill>
+            </a:endParaRPr>
+          </a:p>
+        </p:txBody>
+      </p:sp>
+      <p:sp>
+        <p:nvSpPr>
+          <p:cNvPr id="3" name="Marcador de contenido 2"/>
+          <p:cNvSpPr>
+            <a:spLocks noGrp="1"/>
+          </p:cNvSpPr>
+          <p:nvPr>
+            <p:ph idx="1"/>
+          </p:nvPr>
+        </p:nvSpPr>
+        <p:spPr/>
+        <p:txBody>
+          <a:bodyPr/>
+          <a:lstStyle/>
+          <a:p>
+            <a:pPr algn="just"/>
+            <a:r>
+              <a:rPr lang="es-ES" dirty="0">
+                <a:solidFill>
+                  <a:schemeClr val="bg1"/>
+                </a:solidFill>
+                <a:effectLst/>
+              </a:rPr>
+              <a:t>Como grupo, tenemos pensado modificar y arreglar esos bugs, diseñar un poco mejor la parte de los mapas. Además, se pretende crear nuevas programaciones para los enemigos y poner en ejecución las </a:t>
+            </a:r>
+            <a:r>
+              <a:rPr lang="es-ES" dirty="0" err="1">
+                <a:solidFill>
+                  <a:schemeClr val="bg1"/>
+                </a:solidFill>
+                <a:effectLst/>
+              </a:rPr>
+              <a:t>dungueons</a:t>
+            </a:r>
+            <a:r>
+              <a:rPr lang="es-ES" dirty="0">
+                <a:solidFill>
+                  <a:schemeClr val="bg1"/>
+                </a:solidFill>
+                <a:effectLst/>
+              </a:rPr>
+              <a:t>. Luego de tener todo listo, se pretender venderlo.</a:t>
+            </a:r>
+            <a:endParaRPr lang="es-US" dirty="0">
+              <a:solidFill>
+                <a:schemeClr val="bg1"/>
+              </a:solidFill>
+              <a:effectLst/>
+            </a:endParaRPr>
+          </a:p>
+          <a:p>
+            <a:endParaRPr lang="es-US" dirty="0"/>
+          </a:p>
+        </p:txBody>
+      </p:sp>
+    </p:spTree>
+    <p:extLst>
+      <p:ext uri="{BB962C8B-B14F-4D97-AF65-F5344CB8AC3E}">
+        <p14:creationId xmlns:p14="http://schemas.microsoft.com/office/powerpoint/2010/main" val="549772904"/>
+      </p:ext>
+    </p:extLst>
+  </p:cSld>
+  <p:clrMapOvr>
+    <a:masterClrMapping/>
+  </p:clrMapOvr>
+</p:sld>
+</file>
+
+<file path=ppt/slides/slide14.xml><?xml version="1.0" encoding="utf-8"?>
+<p:sld xmlns:a="http://schemas.openxmlformats.org/drawingml/2006/main" xmlns:r="http://schemas.openxmlformats.org/officeDocument/2006/relationships" xmlns:p="http://schemas.openxmlformats.org/presentationml/2006/main">
+  <p:cSld>
+    <p:spTree>
+      <p:nvGrpSpPr>
+        <p:cNvPr id="1" name=""/>
+        <p:cNvGrpSpPr/>
+        <p:nvPr/>
+      </p:nvGrpSpPr>
+      <p:grpSpPr>
+        <a:xfrm>
+          <a:off x="0" y="0"/>
+          <a:ext cx="0" cy="0"/>
+          <a:chOff x="0" y="0"/>
+          <a:chExt cx="0" cy="0"/>
+        </a:xfrm>
+      </p:grpSpPr>
+      <p:pic>
+        <p:nvPicPr>
+          <p:cNvPr id="4" name="Imagen 3"/>
+          <p:cNvPicPr>
+            <a:picLocks noChangeAspect="1"/>
+          </p:cNvPicPr>
+          <p:nvPr/>
+        </p:nvPicPr>
+        <p:blipFill>
+          <a:blip r:embed="rId2">
+            <a:extLst>
+              <a:ext uri="{28A0092B-C50C-407E-A947-70E740481C1C}">
+                <a14:useLocalDpi xmlns:a14="http://schemas.microsoft.com/office/drawing/2010/main" val="0"/>
+              </a:ext>
+            </a:extLst>
+          </a:blip>
+          <a:stretch>
+            <a:fillRect/>
+          </a:stretch>
+        </p:blipFill>
+        <p:spPr>
+          <a:xfrm>
+            <a:off x="0" y="-3518"/>
+            <a:ext cx="12185754" cy="6861517"/>
+          </a:xfrm>
+          <a:prstGeom prst="rect">
+            <a:avLst/>
+          </a:prstGeom>
+        </p:spPr>
+      </p:pic>
+      <p:sp>
+        <p:nvSpPr>
+          <p:cNvPr id="2" name="Título 1"/>
+          <p:cNvSpPr>
+            <a:spLocks noGrp="1"/>
+          </p:cNvSpPr>
+          <p:nvPr>
+            <p:ph type="title"/>
+          </p:nvPr>
+        </p:nvSpPr>
+        <p:spPr/>
+        <p:txBody>
+          <a:bodyPr/>
+          <a:lstStyle/>
+          <a:p>
+            <a:r>
+              <a:rPr lang="es-ES" b="1" dirty="0">
+                <a:solidFill>
+                  <a:schemeClr val="bg1"/>
+                </a:solidFill>
+              </a:rPr>
+              <a:t>13) Presupuesto</a:t>
+            </a:r>
+            <a:endParaRPr lang="es-US" b="1" dirty="0">
+              <a:solidFill>
+                <a:schemeClr val="bg1"/>
+              </a:solidFill>
+            </a:endParaRPr>
+          </a:p>
+        </p:txBody>
+      </p:sp>
+      <p:pic>
+        <p:nvPicPr>
+          <p:cNvPr id="5" name="Marcador de contenido 4"/>
+          <p:cNvPicPr>
+            <a:picLocks noGrp="1" noChangeAspect="1"/>
+          </p:cNvPicPr>
+          <p:nvPr>
+            <p:ph idx="1"/>
+          </p:nvPr>
+        </p:nvPicPr>
+        <p:blipFill rotWithShape="1">
+          <a:blip r:embed="rId3">
+            <a:extLst>
+              <a:ext uri="{28A0092B-C50C-407E-A947-70E740481C1C}">
+                <a14:useLocalDpi xmlns:a14="http://schemas.microsoft.com/office/drawing/2010/main" val="0"/>
+              </a:ext>
+            </a:extLst>
+          </a:blip>
+          <a:srcRect l="601"/>
+          <a:stretch/>
+        </p:blipFill>
+        <p:spPr>
+          <a:xfrm>
+            <a:off x="1989664" y="2203466"/>
+            <a:ext cx="7178050" cy="3685032"/>
+          </a:xfrm>
+        </p:spPr>
+      </p:pic>
+    </p:spTree>
+    <p:extLst>
+      <p:ext uri="{BB962C8B-B14F-4D97-AF65-F5344CB8AC3E}">
+        <p14:creationId xmlns:p14="http://schemas.microsoft.com/office/powerpoint/2010/main" val="3691313134"/>
+      </p:ext>
+    </p:extLst>
+  </p:cSld>
+  <p:clrMapOvr>
+    <a:masterClrMapping/>
+  </p:clrMapOvr>
+</p:sld>
+</file>
+
+<file path=ppt/slides/slide15.xml><?xml version="1.0" encoding="utf-8"?>
+<p:sld xmlns:a="http://schemas.openxmlformats.org/drawingml/2006/main" xmlns:r="http://schemas.openxmlformats.org/officeDocument/2006/relationships" xmlns:p="http://schemas.openxmlformats.org/presentationml/2006/main">
+  <p:cSld>
+    <p:spTree>
+      <p:nvGrpSpPr>
+        <p:cNvPr id="1" name=""/>
+        <p:cNvGrpSpPr/>
+        <p:nvPr/>
+      </p:nvGrpSpPr>
+      <p:grpSpPr>
+        <a:xfrm>
+          <a:off x="0" y="0"/>
+          <a:ext cx="0" cy="0"/>
+          <a:chOff x="0" y="0"/>
+          <a:chExt cx="0" cy="0"/>
+        </a:xfrm>
+      </p:grpSpPr>
+      <p:pic>
+        <p:nvPicPr>
+          <p:cNvPr id="4" name="Imagen 3"/>
+          <p:cNvPicPr>
+            <a:picLocks noChangeAspect="1"/>
+          </p:cNvPicPr>
+          <p:nvPr/>
+        </p:nvPicPr>
+        <p:blipFill>
+          <a:blip r:embed="rId2">
+            <a:extLst>
+              <a:ext uri="{28A0092B-C50C-407E-A947-70E740481C1C}">
+                <a14:useLocalDpi xmlns:a14="http://schemas.microsoft.com/office/drawing/2010/main" val="0"/>
+              </a:ext>
+            </a:extLst>
+          </a:blip>
+          <a:stretch>
+            <a:fillRect/>
+          </a:stretch>
+        </p:blipFill>
+        <p:spPr>
+          <a:xfrm>
+            <a:off x="0" y="-3518"/>
+            <a:ext cx="12185754" cy="6861517"/>
+          </a:xfrm>
+          <a:prstGeom prst="rect">
+            <a:avLst/>
+          </a:prstGeom>
+        </p:spPr>
+      </p:pic>
+      <p:sp>
+        <p:nvSpPr>
+          <p:cNvPr id="2" name="Título 1"/>
+          <p:cNvSpPr>
+            <a:spLocks noGrp="1"/>
+          </p:cNvSpPr>
+          <p:nvPr>
+            <p:ph type="title"/>
+          </p:nvPr>
+        </p:nvSpPr>
+        <p:spPr/>
+        <p:txBody>
+          <a:bodyPr/>
+          <a:lstStyle/>
+          <a:p>
+            <a:r>
+              <a:rPr lang="es-ES" b="1" dirty="0">
+                <a:solidFill>
+                  <a:schemeClr val="bg1"/>
+                </a:solidFill>
+              </a:rPr>
+              <a:t>14) Análisis del mercado</a:t>
+            </a:r>
+            <a:endParaRPr lang="es-US" b="1" dirty="0">
+              <a:solidFill>
+                <a:schemeClr val="bg1"/>
+              </a:solidFill>
+            </a:endParaRPr>
+          </a:p>
+        </p:txBody>
+      </p:sp>
+      <p:sp>
+        <p:nvSpPr>
+          <p:cNvPr id="3" name="Marcador de contenido 2"/>
+          <p:cNvSpPr>
+            <a:spLocks noGrp="1"/>
+          </p:cNvSpPr>
+          <p:nvPr>
+            <p:ph idx="1"/>
+          </p:nvPr>
+        </p:nvSpPr>
+        <p:spPr/>
+        <p:txBody>
+          <a:bodyPr>
+            <a:normAutofit lnSpcReduction="10000"/>
+          </a:bodyPr>
+          <a:lstStyle/>
+          <a:p>
+            <a:pPr algn="just"/>
+            <a:r>
+              <a:rPr lang="es-ES" dirty="0">
+                <a:solidFill>
+                  <a:schemeClr val="bg1"/>
+                </a:solidFill>
+                <a:effectLst/>
+              </a:rPr>
+              <a:t>Como es conocido por muchos, los juegos RPG y los MMORPG son bastante entretenidos, por lo que se piensa a futuro desarrollar un modo online donde los jugadores podrán interactuar entre sí, tener zonas para </a:t>
+            </a:r>
+            <a:r>
+              <a:rPr lang="es-ES" dirty="0" err="1">
+                <a:solidFill>
+                  <a:schemeClr val="bg1"/>
+                </a:solidFill>
+                <a:effectLst/>
+              </a:rPr>
+              <a:t>farmear</a:t>
+            </a:r>
+            <a:r>
+              <a:rPr lang="es-ES" dirty="0">
+                <a:solidFill>
+                  <a:schemeClr val="bg1"/>
+                </a:solidFill>
+                <a:effectLst/>
+              </a:rPr>
+              <a:t>, zonas de bazar, </a:t>
+            </a:r>
+            <a:r>
+              <a:rPr lang="es-ES" dirty="0" err="1">
+                <a:solidFill>
+                  <a:schemeClr val="bg1"/>
+                </a:solidFill>
+                <a:effectLst/>
+              </a:rPr>
+              <a:t>pvp</a:t>
+            </a:r>
+            <a:r>
+              <a:rPr lang="es-ES" dirty="0">
+                <a:solidFill>
+                  <a:schemeClr val="bg1"/>
+                </a:solidFill>
+                <a:effectLst/>
+              </a:rPr>
+              <a:t>, misiones, etc. Además, de que hemos evaluado muchos juegos de este estilo y algo que nos dimos cuenta que es que no todos tratan de innovar, dígase con nuevos eventos, nuevas mecánicas, nuevos efectos, etc. Por lo que, se piensa mantener el juego a base de eventos distintos cada año.</a:t>
+            </a:r>
+          </a:p>
+          <a:p>
+            <a:pPr algn="just"/>
+            <a:r>
+              <a:rPr lang="es-ES" dirty="0">
+                <a:solidFill>
+                  <a:schemeClr val="bg1"/>
+                </a:solidFill>
+                <a:effectLst/>
+              </a:rPr>
+              <a:t>Por eso se espera que estos juegos de este estilo, crezcan en un porciento 9.5% lo cual es algo bastante grande.</a:t>
+            </a:r>
+            <a:endParaRPr lang="es-US" dirty="0">
+              <a:solidFill>
+                <a:schemeClr val="bg1"/>
+              </a:solidFill>
+              <a:effectLst/>
+            </a:endParaRPr>
+          </a:p>
+          <a:p>
+            <a:endParaRPr lang="es-US" dirty="0"/>
+          </a:p>
+        </p:txBody>
+      </p:sp>
+    </p:spTree>
+    <p:extLst>
+      <p:ext uri="{BB962C8B-B14F-4D97-AF65-F5344CB8AC3E}">
+        <p14:creationId xmlns:p14="http://schemas.microsoft.com/office/powerpoint/2010/main" val="58622468"/>
+      </p:ext>
+    </p:extLst>
+  </p:cSld>
+  <p:clrMapOvr>
+    <a:masterClrMapping/>
+  </p:clrMapOvr>
+</p:sld>
+</file>
+
+<file path=ppt/slides/slide16.xml><?xml version="1.0" encoding="utf-8"?>
+<p:sld xmlns:a="http://schemas.openxmlformats.org/drawingml/2006/main" xmlns:r="http://schemas.openxmlformats.org/officeDocument/2006/relationships" xmlns:p="http://schemas.openxmlformats.org/presentationml/2006/main">
+  <p:cSld>
+    <p:spTree>
+      <p:nvGrpSpPr>
+        <p:cNvPr id="1" name=""/>
+        <p:cNvGrpSpPr/>
+        <p:nvPr/>
+      </p:nvGrpSpPr>
+      <p:grpSpPr>
+        <a:xfrm>
+          <a:off x="0" y="0"/>
+          <a:ext cx="0" cy="0"/>
+          <a:chOff x="0" y="0"/>
+          <a:chExt cx="0" cy="0"/>
+        </a:xfrm>
+      </p:grpSpPr>
+      <p:pic>
+        <p:nvPicPr>
+          <p:cNvPr id="4" name="Imagen 3"/>
+          <p:cNvPicPr>
+            <a:picLocks noChangeAspect="1"/>
+          </p:cNvPicPr>
+          <p:nvPr/>
+        </p:nvPicPr>
+        <p:blipFill>
+          <a:blip r:embed="rId2">
+            <a:extLst>
+              <a:ext uri="{28A0092B-C50C-407E-A947-70E740481C1C}">
+                <a14:useLocalDpi xmlns:a14="http://schemas.microsoft.com/office/drawing/2010/main" val="0"/>
+              </a:ext>
+            </a:extLst>
+          </a:blip>
+          <a:stretch>
+            <a:fillRect/>
+          </a:stretch>
+        </p:blipFill>
+        <p:spPr>
+          <a:xfrm>
+            <a:off x="0" y="-3518"/>
+            <a:ext cx="12185754" cy="6861517"/>
+          </a:xfrm>
+          <a:prstGeom prst="rect">
+            <a:avLst/>
+          </a:prstGeom>
+        </p:spPr>
+      </p:pic>
+      <p:sp>
+        <p:nvSpPr>
+          <p:cNvPr id="2" name="Título 1"/>
+          <p:cNvSpPr>
+            <a:spLocks noGrp="1"/>
+          </p:cNvSpPr>
+          <p:nvPr>
+            <p:ph type="title"/>
+          </p:nvPr>
+        </p:nvSpPr>
+        <p:spPr/>
+        <p:txBody>
+          <a:bodyPr/>
+          <a:lstStyle/>
+          <a:p>
+            <a:r>
+              <a:rPr lang="es-ES" b="1" dirty="0">
+                <a:solidFill>
+                  <a:schemeClr val="bg1"/>
+                </a:solidFill>
+              </a:rPr>
+              <a:t>15) Viabilidad</a:t>
+            </a:r>
+            <a:endParaRPr lang="es-US" b="1" dirty="0">
+              <a:solidFill>
+                <a:schemeClr val="bg1"/>
+              </a:solidFill>
+            </a:endParaRPr>
+          </a:p>
+        </p:txBody>
+      </p:sp>
+      <p:sp>
+        <p:nvSpPr>
+          <p:cNvPr id="3" name="Marcador de contenido 2"/>
+          <p:cNvSpPr>
+            <a:spLocks noGrp="1"/>
+          </p:cNvSpPr>
+          <p:nvPr>
+            <p:ph idx="1"/>
+          </p:nvPr>
+        </p:nvSpPr>
+        <p:spPr/>
+        <p:txBody>
+          <a:bodyPr/>
+          <a:lstStyle/>
+          <a:p>
+            <a:pPr algn="just"/>
+            <a:r>
+              <a:rPr lang="es-ES" dirty="0">
+                <a:solidFill>
+                  <a:schemeClr val="bg1"/>
+                </a:solidFill>
+                <a:effectLst/>
+              </a:rPr>
+              <a:t>Por ahora, el juego solo está disponible para plataforma PC, más adelante y que también es una de las proyecciones que tenemos a futuro, desarrollarlo para dispositivos móviles.	</a:t>
+            </a:r>
+            <a:endParaRPr lang="es-US" dirty="0">
+              <a:solidFill>
+                <a:schemeClr val="bg1"/>
+              </a:solidFill>
+              <a:effectLst/>
+            </a:endParaRPr>
+          </a:p>
+          <a:p>
+            <a:endParaRPr lang="es-US" dirty="0"/>
+          </a:p>
+        </p:txBody>
+      </p:sp>
+    </p:spTree>
+    <p:extLst>
+      <p:ext uri="{BB962C8B-B14F-4D97-AF65-F5344CB8AC3E}">
+        <p14:creationId xmlns:p14="http://schemas.microsoft.com/office/powerpoint/2010/main" val="3325548579"/>
+      </p:ext>
+    </p:extLst>
+  </p:cSld>
+  <p:clrMapOvr>
+    <a:masterClrMapping/>
+  </p:clrMapOvr>
+</p:sld>
+</file>
+
+<file path=ppt/slides/slide17.xml><?xml version="1.0" encoding="utf-8"?>
+<p:sld xmlns:a="http://schemas.openxmlformats.org/drawingml/2006/main" xmlns:r="http://schemas.openxmlformats.org/officeDocument/2006/relationships" xmlns:p="http://schemas.openxmlformats.org/presentationml/2006/main">
+  <p:cSld>
+    <p:spTree>
+      <p:nvGrpSpPr>
+        <p:cNvPr id="1" name=""/>
+        <p:cNvGrpSpPr/>
+        <p:nvPr/>
+      </p:nvGrpSpPr>
+      <p:grpSpPr>
+        <a:xfrm>
+          <a:off x="0" y="0"/>
+          <a:ext cx="0" cy="0"/>
+          <a:chOff x="0" y="0"/>
+          <a:chExt cx="0" cy="0"/>
+        </a:xfrm>
+      </p:grpSpPr>
+      <p:pic>
+        <p:nvPicPr>
+          <p:cNvPr id="4" name="Imagen 3"/>
+          <p:cNvPicPr>
+            <a:picLocks noChangeAspect="1"/>
+          </p:cNvPicPr>
+          <p:nvPr/>
+        </p:nvPicPr>
+        <p:blipFill>
+          <a:blip r:embed="rId2">
+            <a:extLst>
+              <a:ext uri="{28A0092B-C50C-407E-A947-70E740481C1C}">
+                <a14:useLocalDpi xmlns:a14="http://schemas.microsoft.com/office/drawing/2010/main" val="0"/>
+              </a:ext>
+            </a:extLst>
+          </a:blip>
+          <a:stretch>
+            <a:fillRect/>
+          </a:stretch>
+        </p:blipFill>
+        <p:spPr>
+          <a:xfrm>
+            <a:off x="0" y="-3518"/>
+            <a:ext cx="12185754" cy="6861517"/>
+          </a:xfrm>
+          <a:prstGeom prst="rect">
+            <a:avLst/>
+          </a:prstGeom>
+        </p:spPr>
+      </p:pic>
+      <p:sp>
+        <p:nvSpPr>
+          <p:cNvPr id="2" name="Título 1"/>
+          <p:cNvSpPr>
+            <a:spLocks noGrp="1"/>
+          </p:cNvSpPr>
+          <p:nvPr>
+            <p:ph type="title"/>
+          </p:nvPr>
+        </p:nvSpPr>
+        <p:spPr/>
+        <p:txBody>
+          <a:bodyPr/>
+          <a:lstStyle/>
+          <a:p>
+            <a:r>
+              <a:rPr lang="es-ES" b="1" dirty="0">
+                <a:solidFill>
+                  <a:schemeClr val="bg1"/>
+                </a:solidFill>
+              </a:rPr>
+              <a:t>16) Presentación del videojuego</a:t>
+            </a:r>
+            <a:endParaRPr lang="es-US" b="1" dirty="0">
+              <a:solidFill>
+                <a:schemeClr val="bg1"/>
+              </a:solidFill>
+            </a:endParaRPr>
+          </a:p>
+        </p:txBody>
+      </p:sp>
+      <p:sp>
+        <p:nvSpPr>
+          <p:cNvPr id="3" name="Marcador de contenido 2"/>
+          <p:cNvSpPr>
+            <a:spLocks noGrp="1"/>
+          </p:cNvSpPr>
+          <p:nvPr>
+            <p:ph idx="1"/>
+          </p:nvPr>
+        </p:nvSpPr>
+        <p:spPr/>
+        <p:txBody>
+          <a:bodyPr/>
+          <a:lstStyle/>
+          <a:p>
+            <a:r>
+              <a:rPr lang="es-ES" dirty="0">
+                <a:solidFill>
+                  <a:schemeClr val="bg1"/>
+                </a:solidFill>
+              </a:rPr>
+              <a:t>A continuación…</a:t>
+            </a:r>
+            <a:endParaRPr lang="es-US" dirty="0">
+              <a:solidFill>
+                <a:schemeClr val="bg1"/>
+              </a:solidFill>
+            </a:endParaRPr>
+          </a:p>
+        </p:txBody>
+      </p:sp>
+    </p:spTree>
+    <p:extLst>
+      <p:ext uri="{BB962C8B-B14F-4D97-AF65-F5344CB8AC3E}">
+        <p14:creationId xmlns:p14="http://schemas.microsoft.com/office/powerpoint/2010/main" val="1656608390"/>
+      </p:ext>
+    </p:extLst>
+  </p:cSld>
+  <p:clrMapOvr>
+    <a:masterClrMapping/>
+  </p:clrMapOvr>
+</p:sld>
+</file>
+
 <file path=ppt/slides/slide2.xml><?xml version="1.0" encoding="utf-8"?>
 <p:sld xmlns:a="http://schemas.openxmlformats.org/drawingml/2006/main" xmlns:r="http://schemas.openxmlformats.org/officeDocument/2006/relationships" xmlns:p="http://schemas.openxmlformats.org/presentationml/2006/main">
   <p:cSld>
